--- a/data/media/process/alm_process.pptx
+++ b/data/media/process/alm_process.pptx
@@ -6,6 +6,12 @@
   </p:sldMasterIdLst>
   <p:sldIdLst>
     <p:sldId id="256" r:id="rId2"/>
+    <p:sldId id="261" r:id="rId3"/>
+    <p:sldId id="257" r:id="rId4"/>
+    <p:sldId id="262" r:id="rId5"/>
+    <p:sldId id="258" r:id="rId6"/>
+    <p:sldId id="259" r:id="rId7"/>
+    <p:sldId id="260" r:id="rId8"/>
   </p:sldIdLst>
   <p:sldSz cx="9144000" cy="6858000" type="screen4x3"/>
   <p:notesSz cx="6858000" cy="9144000"/>
@@ -288,7 +294,7 @@
           <a:p>
             <a:fld id="{48C694DB-37DE-41FC-A388-E9667E620CF4}" type="datetimeFigureOut">
               <a:rPr lang="en-AU" smtClean="0"/>
-              <a:t>24/01/2012</a:t>
+              <a:t>29/03/2012</a:t>
             </a:fld>
             <a:endParaRPr lang="en-AU"/>
           </a:p>
@@ -458,7 +464,7 @@
           <a:p>
             <a:fld id="{48C694DB-37DE-41FC-A388-E9667E620CF4}" type="datetimeFigureOut">
               <a:rPr lang="en-AU" smtClean="0"/>
-              <a:t>24/01/2012</a:t>
+              <a:t>29/03/2012</a:t>
             </a:fld>
             <a:endParaRPr lang="en-AU"/>
           </a:p>
@@ -638,7 +644,7 @@
           <a:p>
             <a:fld id="{48C694DB-37DE-41FC-A388-E9667E620CF4}" type="datetimeFigureOut">
               <a:rPr lang="en-AU" smtClean="0"/>
-              <a:t>24/01/2012</a:t>
+              <a:t>29/03/2012</a:t>
             </a:fld>
             <a:endParaRPr lang="en-AU"/>
           </a:p>
@@ -808,7 +814,7 @@
           <a:p>
             <a:fld id="{48C694DB-37DE-41FC-A388-E9667E620CF4}" type="datetimeFigureOut">
               <a:rPr lang="en-AU" smtClean="0"/>
-              <a:t>24/01/2012</a:t>
+              <a:t>29/03/2012</a:t>
             </a:fld>
             <a:endParaRPr lang="en-AU"/>
           </a:p>
@@ -1054,7 +1060,7 @@
           <a:p>
             <a:fld id="{48C694DB-37DE-41FC-A388-E9667E620CF4}" type="datetimeFigureOut">
               <a:rPr lang="en-AU" smtClean="0"/>
-              <a:t>24/01/2012</a:t>
+              <a:t>29/03/2012</a:t>
             </a:fld>
             <a:endParaRPr lang="en-AU"/>
           </a:p>
@@ -1342,7 +1348,7 @@
           <a:p>
             <a:fld id="{48C694DB-37DE-41FC-A388-E9667E620CF4}" type="datetimeFigureOut">
               <a:rPr lang="en-AU" smtClean="0"/>
-              <a:t>24/01/2012</a:t>
+              <a:t>29/03/2012</a:t>
             </a:fld>
             <a:endParaRPr lang="en-AU"/>
           </a:p>
@@ -1764,7 +1770,7 @@
           <a:p>
             <a:fld id="{48C694DB-37DE-41FC-A388-E9667E620CF4}" type="datetimeFigureOut">
               <a:rPr lang="en-AU" smtClean="0"/>
-              <a:t>24/01/2012</a:t>
+              <a:t>29/03/2012</a:t>
             </a:fld>
             <a:endParaRPr lang="en-AU"/>
           </a:p>
@@ -1882,7 +1888,7 @@
           <a:p>
             <a:fld id="{48C694DB-37DE-41FC-A388-E9667E620CF4}" type="datetimeFigureOut">
               <a:rPr lang="en-AU" smtClean="0"/>
-              <a:t>24/01/2012</a:t>
+              <a:t>29/03/2012</a:t>
             </a:fld>
             <a:endParaRPr lang="en-AU"/>
           </a:p>
@@ -1977,7 +1983,7 @@
           <a:p>
             <a:fld id="{48C694DB-37DE-41FC-A388-E9667E620CF4}" type="datetimeFigureOut">
               <a:rPr lang="en-AU" smtClean="0"/>
-              <a:t>24/01/2012</a:t>
+              <a:t>29/03/2012</a:t>
             </a:fld>
             <a:endParaRPr lang="en-AU"/>
           </a:p>
@@ -2254,7 +2260,7 @@
           <a:p>
             <a:fld id="{48C694DB-37DE-41FC-A388-E9667E620CF4}" type="datetimeFigureOut">
               <a:rPr lang="en-AU" smtClean="0"/>
-              <a:t>24/01/2012</a:t>
+              <a:t>29/03/2012</a:t>
             </a:fld>
             <a:endParaRPr lang="en-AU"/>
           </a:p>
@@ -2507,7 +2513,7 @@
           <a:p>
             <a:fld id="{48C694DB-37DE-41FC-A388-E9667E620CF4}" type="datetimeFigureOut">
               <a:rPr lang="en-AU" smtClean="0"/>
-              <a:t>24/01/2012</a:t>
+              <a:t>29/03/2012</a:t>
             </a:fld>
             <a:endParaRPr lang="en-AU"/>
           </a:p>
@@ -2720,7 +2726,7 @@
           <a:p>
             <a:fld id="{48C694DB-37DE-41FC-A388-E9667E620CF4}" type="datetimeFigureOut">
               <a:rPr lang="en-AU" smtClean="0"/>
-              <a:t>24/01/2012</a:t>
+              <a:t>29/03/2012</a:t>
             </a:fld>
             <a:endParaRPr lang="en-AU"/>
           </a:p>
@@ -3081,6 +3087,17 @@
 <file path=ppt/slides/slide1.xml><?xml version="1.0" encoding="utf-8"?>
 <p:sld xmlns:a="http://schemas.openxmlformats.org/drawingml/2006/main" xmlns:r="http://schemas.openxmlformats.org/officeDocument/2006/relationships" xmlns:p="http://schemas.openxmlformats.org/presentationml/2006/main">
   <p:cSld>
+    <p:bg>
+      <p:bgPr>
+        <a:solidFill>
+          <a:schemeClr val="tx1">
+            <a:lumMod val="50000"/>
+            <a:lumOff val="50000"/>
+          </a:schemeClr>
+        </a:solidFill>
+        <a:effectLst/>
+      </p:bgPr>
+    </p:bg>
     <p:spTree>
       <p:nvGrpSpPr>
         <p:cNvPr id="1" name=""/>
@@ -3095,871 +3112,3511 @@
           <a:chExt cx="0" cy="0"/>
         </a:xfrm>
       </p:grpSpPr>
-      <p:grpSp>
-        <p:nvGrpSpPr>
-          <p:cNvPr id="91" name="Group 90"/>
-          <p:cNvGrpSpPr/>
-          <p:nvPr/>
-        </p:nvGrpSpPr>
-        <p:grpSpPr>
+      <p:sp>
+        <p:nvSpPr>
+          <p:cNvPr id="4" name="Rounded Rectangle 3"/>
+          <p:cNvSpPr/>
+          <p:nvPr/>
+        </p:nvSpPr>
+        <p:spPr>
+          <a:xfrm>
+            <a:off x="3347864" y="692696"/>
+            <a:ext cx="1656184" cy="648072"/>
+          </a:xfrm>
+          <a:prstGeom prst="roundRect">
+            <a:avLst/>
+          </a:prstGeom>
+        </p:spPr>
+        <p:style>
+          <a:lnRef idx="1">
+            <a:schemeClr val="dk1"/>
+          </a:lnRef>
+          <a:fillRef idx="2">
+            <a:schemeClr val="dk1"/>
+          </a:fillRef>
+          <a:effectRef idx="1">
+            <a:schemeClr val="dk1"/>
+          </a:effectRef>
+          <a:fontRef idx="minor">
+            <a:schemeClr val="dk1"/>
+          </a:fontRef>
+        </p:style>
+        <p:txBody>
+          <a:bodyPr rtlCol="0" anchor="ctr"/>
+          <a:lstStyle/>
+          <a:p>
+            <a:pPr algn="ctr"/>
+            <a:r>
+              <a:rPr lang="en-AU" dirty="0" smtClean="0"/>
+              <a:t>Create Business Case</a:t>
+            </a:r>
+            <a:endParaRPr lang="en-AU" dirty="0"/>
+          </a:p>
+        </p:txBody>
+      </p:sp>
+      <p:sp>
+        <p:nvSpPr>
+          <p:cNvPr id="5" name="Rounded Rectangle 4"/>
+          <p:cNvSpPr/>
+          <p:nvPr/>
+        </p:nvSpPr>
+        <p:spPr>
+          <a:xfrm>
+            <a:off x="3203848" y="1844824"/>
+            <a:ext cx="1944216" cy="792088"/>
+          </a:xfrm>
+          <a:prstGeom prst="roundRect">
+            <a:avLst/>
+          </a:prstGeom>
+        </p:spPr>
+        <p:style>
+          <a:lnRef idx="1">
+            <a:schemeClr val="dk1"/>
+          </a:lnRef>
+          <a:fillRef idx="2">
+            <a:schemeClr val="dk1"/>
+          </a:fillRef>
+          <a:effectRef idx="1">
+            <a:schemeClr val="dk1"/>
+          </a:effectRef>
+          <a:fontRef idx="minor">
+            <a:schemeClr val="dk1"/>
+          </a:fontRef>
+        </p:style>
+        <p:txBody>
+          <a:bodyPr rtlCol="0" anchor="ctr"/>
+          <a:lstStyle/>
+          <a:p>
+            <a:pPr algn="ctr"/>
+            <a:r>
+              <a:rPr lang="en-AU" dirty="0" smtClean="0"/>
+              <a:t>Requirements Gathering</a:t>
+            </a:r>
+            <a:endParaRPr lang="en-AU" dirty="0"/>
+          </a:p>
+        </p:txBody>
+      </p:sp>
+      <p:sp>
+        <p:nvSpPr>
+          <p:cNvPr id="8" name="Rounded Rectangle 7"/>
+          <p:cNvSpPr/>
+          <p:nvPr/>
+        </p:nvSpPr>
+        <p:spPr>
+          <a:xfrm>
+            <a:off x="7164288" y="3849424"/>
+            <a:ext cx="1656184" cy="654553"/>
+          </a:xfrm>
+          <a:prstGeom prst="roundRect">
+            <a:avLst/>
+          </a:prstGeom>
+        </p:spPr>
+        <p:style>
+          <a:lnRef idx="1">
+            <a:schemeClr val="dk1"/>
+          </a:lnRef>
+          <a:fillRef idx="2">
+            <a:schemeClr val="dk1"/>
+          </a:fillRef>
+          <a:effectRef idx="1">
+            <a:schemeClr val="dk1"/>
+          </a:effectRef>
+          <a:fontRef idx="minor">
+            <a:schemeClr val="dk1"/>
+          </a:fontRef>
+        </p:style>
+        <p:txBody>
+          <a:bodyPr rtlCol="0" anchor="ctr"/>
+          <a:lstStyle/>
+          <a:p>
+            <a:pPr algn="ctr"/>
+            <a:r>
+              <a:rPr lang="en-AU" dirty="0" smtClean="0"/>
+              <a:t>Procurement</a:t>
+            </a:r>
+            <a:endParaRPr lang="en-AU" dirty="0"/>
+          </a:p>
+        </p:txBody>
+      </p:sp>
+      <p:sp>
+        <p:nvSpPr>
+          <p:cNvPr id="9" name="Rounded Rectangle 8"/>
+          <p:cNvSpPr/>
+          <p:nvPr/>
+        </p:nvSpPr>
+        <p:spPr>
+          <a:xfrm>
+            <a:off x="5148064" y="3852664"/>
+            <a:ext cx="1656184" cy="648072"/>
+          </a:xfrm>
+          <a:prstGeom prst="roundRect">
+            <a:avLst/>
+          </a:prstGeom>
+        </p:spPr>
+        <p:style>
+          <a:lnRef idx="1">
+            <a:schemeClr val="dk1"/>
+          </a:lnRef>
+          <a:fillRef idx="2">
+            <a:schemeClr val="dk1"/>
+          </a:fillRef>
+          <a:effectRef idx="1">
+            <a:schemeClr val="dk1"/>
+          </a:effectRef>
+          <a:fontRef idx="minor">
+            <a:schemeClr val="dk1"/>
+          </a:fontRef>
+        </p:style>
+        <p:txBody>
+          <a:bodyPr rtlCol="0" anchor="ctr"/>
+          <a:lstStyle/>
+          <a:p>
+            <a:pPr algn="ctr"/>
+            <a:r>
+              <a:rPr lang="en-AU" dirty="0" smtClean="0"/>
+              <a:t>Build</a:t>
+            </a:r>
+            <a:endParaRPr lang="en-AU" dirty="0"/>
+          </a:p>
+        </p:txBody>
+      </p:sp>
+      <p:sp>
+        <p:nvSpPr>
+          <p:cNvPr id="10" name="Rounded Rectangle 9"/>
+          <p:cNvSpPr/>
+          <p:nvPr/>
+        </p:nvSpPr>
+        <p:spPr>
+          <a:xfrm>
+            <a:off x="3347864" y="4653136"/>
+            <a:ext cx="1656184" cy="648072"/>
+          </a:xfrm>
+          <a:prstGeom prst="roundRect">
+            <a:avLst/>
+          </a:prstGeom>
+        </p:spPr>
+        <p:style>
+          <a:lnRef idx="1">
+            <a:schemeClr val="dk1"/>
+          </a:lnRef>
+          <a:fillRef idx="2">
+            <a:schemeClr val="dk1"/>
+          </a:fillRef>
+          <a:effectRef idx="1">
+            <a:schemeClr val="dk1"/>
+          </a:effectRef>
+          <a:fontRef idx="minor">
+            <a:schemeClr val="dk1"/>
+          </a:fontRef>
+        </p:style>
+        <p:txBody>
+          <a:bodyPr rtlCol="0" anchor="ctr"/>
+          <a:lstStyle/>
+          <a:p>
+            <a:pPr algn="ctr"/>
+            <a:r>
+              <a:rPr lang="en-AU" dirty="0" smtClean="0"/>
+              <a:t>Deployment</a:t>
+            </a:r>
+            <a:endParaRPr lang="en-AU" dirty="0"/>
+          </a:p>
+        </p:txBody>
+      </p:sp>
+      <p:sp>
+        <p:nvSpPr>
+          <p:cNvPr id="13" name="Rounded Rectangle 12"/>
+          <p:cNvSpPr/>
+          <p:nvPr/>
+        </p:nvSpPr>
+        <p:spPr>
           <a:xfrm>
             <a:off x="1279075" y="692696"/>
-            <a:ext cx="7541397" cy="4608512"/>
-            <a:chOff x="1279075" y="692696"/>
-            <a:chExt cx="7541397" cy="4608512"/>
-          </a:xfrm>
-        </p:grpSpPr>
-        <p:sp>
-          <p:nvSpPr>
-            <p:cNvPr id="4" name="Rounded Rectangle 3"/>
-            <p:cNvSpPr/>
-            <p:nvPr/>
-          </p:nvSpPr>
-          <p:spPr>
-            <a:xfrm>
-              <a:off x="3347864" y="692696"/>
-              <a:ext cx="1656184" cy="648072"/>
-            </a:xfrm>
-            <a:prstGeom prst="roundRect">
-              <a:avLst/>
-            </a:prstGeom>
-          </p:spPr>
-          <p:style>
-            <a:lnRef idx="1">
-              <a:schemeClr val="dk1"/>
-            </a:lnRef>
-            <a:fillRef idx="2">
-              <a:schemeClr val="dk1"/>
-            </a:fillRef>
-            <a:effectRef idx="1">
-              <a:schemeClr val="dk1"/>
-            </a:effectRef>
-            <a:fontRef idx="minor">
-              <a:schemeClr val="dk1"/>
-            </a:fontRef>
-          </p:style>
-          <p:txBody>
-            <a:bodyPr rtlCol="0" anchor="ctr"/>
-            <a:lstStyle/>
-            <a:p>
-              <a:pPr algn="ctr"/>
-              <a:r>
-                <a:rPr lang="en-AU" dirty="0" smtClean="0"/>
-                <a:t>Business Case</a:t>
-              </a:r>
-              <a:endParaRPr lang="en-AU" dirty="0"/>
-            </a:p>
-          </p:txBody>
-        </p:sp>
-        <p:sp>
-          <p:nvSpPr>
-            <p:cNvPr id="5" name="Rounded Rectangle 4"/>
-            <p:cNvSpPr/>
-            <p:nvPr/>
-          </p:nvSpPr>
-          <p:spPr>
-            <a:xfrm>
-              <a:off x="3347864" y="1988840"/>
-              <a:ext cx="1656184" cy="648072"/>
-            </a:xfrm>
-            <a:prstGeom prst="roundRect">
-              <a:avLst/>
-            </a:prstGeom>
-          </p:spPr>
-          <p:style>
-            <a:lnRef idx="1">
-              <a:schemeClr val="dk1"/>
-            </a:lnRef>
-            <a:fillRef idx="2">
-              <a:schemeClr val="dk1"/>
-            </a:fillRef>
-            <a:effectRef idx="1">
-              <a:schemeClr val="dk1"/>
-            </a:effectRef>
-            <a:fontRef idx="minor">
-              <a:schemeClr val="dk1"/>
-            </a:fontRef>
-          </p:style>
-          <p:txBody>
-            <a:bodyPr rtlCol="0" anchor="ctr"/>
-            <a:lstStyle/>
-            <a:p>
-              <a:pPr algn="ctr"/>
-              <a:r>
-                <a:rPr lang="en-AU" dirty="0" smtClean="0"/>
-                <a:t>Requirements Gathering</a:t>
-              </a:r>
-              <a:endParaRPr lang="en-AU" dirty="0"/>
-            </a:p>
-          </p:txBody>
-        </p:sp>
-        <p:sp>
-          <p:nvSpPr>
-            <p:cNvPr id="8" name="Rounded Rectangle 7"/>
-            <p:cNvSpPr/>
-            <p:nvPr/>
-          </p:nvSpPr>
-          <p:spPr>
-            <a:xfrm>
-              <a:off x="7164288" y="3849424"/>
-              <a:ext cx="1656184" cy="654553"/>
-            </a:xfrm>
-            <a:prstGeom prst="roundRect">
-              <a:avLst/>
-            </a:prstGeom>
-          </p:spPr>
-          <p:style>
-            <a:lnRef idx="1">
-              <a:schemeClr val="dk1"/>
-            </a:lnRef>
-            <a:fillRef idx="2">
-              <a:schemeClr val="dk1"/>
-            </a:fillRef>
-            <a:effectRef idx="1">
-              <a:schemeClr val="dk1"/>
-            </a:effectRef>
-            <a:fontRef idx="minor">
-              <a:schemeClr val="dk1"/>
-            </a:fontRef>
-          </p:style>
-          <p:txBody>
-            <a:bodyPr rtlCol="0" anchor="ctr"/>
-            <a:lstStyle/>
-            <a:p>
-              <a:pPr algn="ctr"/>
-              <a:r>
-                <a:rPr lang="en-AU" dirty="0" smtClean="0"/>
-                <a:t>Procurement</a:t>
-              </a:r>
-              <a:endParaRPr lang="en-AU" dirty="0"/>
-            </a:p>
-          </p:txBody>
-        </p:sp>
-        <p:sp>
-          <p:nvSpPr>
-            <p:cNvPr id="9" name="Rounded Rectangle 8"/>
-            <p:cNvSpPr/>
-            <p:nvPr/>
-          </p:nvSpPr>
-          <p:spPr>
-            <a:xfrm>
-              <a:off x="5148064" y="3852664"/>
-              <a:ext cx="1656184" cy="648072"/>
-            </a:xfrm>
-            <a:prstGeom prst="roundRect">
-              <a:avLst/>
-            </a:prstGeom>
-          </p:spPr>
-          <p:style>
-            <a:lnRef idx="1">
-              <a:schemeClr val="dk1"/>
-            </a:lnRef>
-            <a:fillRef idx="2">
-              <a:schemeClr val="dk1"/>
-            </a:fillRef>
-            <a:effectRef idx="1">
-              <a:schemeClr val="dk1"/>
-            </a:effectRef>
-            <a:fontRef idx="minor">
-              <a:schemeClr val="dk1"/>
-            </a:fontRef>
-          </p:style>
-          <p:txBody>
-            <a:bodyPr rtlCol="0" anchor="ctr"/>
-            <a:lstStyle/>
-            <a:p>
-              <a:pPr algn="ctr"/>
-              <a:r>
-                <a:rPr lang="en-AU" dirty="0" smtClean="0"/>
-                <a:t>Build</a:t>
-              </a:r>
-              <a:endParaRPr lang="en-AU" dirty="0"/>
-            </a:p>
-          </p:txBody>
-        </p:sp>
-        <p:sp>
-          <p:nvSpPr>
-            <p:cNvPr id="10" name="Rounded Rectangle 9"/>
-            <p:cNvSpPr/>
-            <p:nvPr/>
-          </p:nvSpPr>
-          <p:spPr>
-            <a:xfrm>
-              <a:off x="3347864" y="4653136"/>
-              <a:ext cx="1656184" cy="648072"/>
-            </a:xfrm>
-            <a:prstGeom prst="roundRect">
-              <a:avLst/>
-            </a:prstGeom>
-          </p:spPr>
-          <p:style>
-            <a:lnRef idx="1">
-              <a:schemeClr val="dk1"/>
-            </a:lnRef>
-            <a:fillRef idx="2">
-              <a:schemeClr val="dk1"/>
-            </a:fillRef>
-            <a:effectRef idx="1">
-              <a:schemeClr val="dk1"/>
-            </a:effectRef>
-            <a:fontRef idx="minor">
-              <a:schemeClr val="dk1"/>
-            </a:fontRef>
-          </p:style>
-          <p:txBody>
-            <a:bodyPr rtlCol="0" anchor="ctr"/>
-            <a:lstStyle/>
-            <a:p>
-              <a:pPr algn="ctr"/>
-              <a:r>
-                <a:rPr lang="en-AU" dirty="0" smtClean="0"/>
-                <a:t>Deployment</a:t>
-              </a:r>
-              <a:endParaRPr lang="en-AU" dirty="0"/>
-            </a:p>
-          </p:txBody>
-        </p:sp>
-        <p:sp>
-          <p:nvSpPr>
-            <p:cNvPr id="13" name="Rounded Rectangle 12"/>
-            <p:cNvSpPr/>
-            <p:nvPr/>
-          </p:nvSpPr>
-          <p:spPr>
-            <a:xfrm>
-              <a:off x="1279075" y="692696"/>
-              <a:ext cx="1691074" cy="648072"/>
-            </a:xfrm>
-            <a:prstGeom prst="roundRect">
-              <a:avLst/>
-            </a:prstGeom>
-          </p:spPr>
-          <p:style>
-            <a:lnRef idx="1">
-              <a:schemeClr val="dk1"/>
-            </a:lnRef>
-            <a:fillRef idx="2">
-              <a:schemeClr val="dk1"/>
-            </a:fillRef>
-            <a:effectRef idx="1">
-              <a:schemeClr val="dk1"/>
-            </a:effectRef>
-            <a:fontRef idx="minor">
-              <a:schemeClr val="dk1"/>
-            </a:fontRef>
-          </p:style>
-          <p:txBody>
-            <a:bodyPr rtlCol="0" anchor="ctr"/>
-            <a:lstStyle/>
-            <a:p>
-              <a:pPr algn="ctr"/>
-              <a:r>
-                <a:rPr lang="en-AU" dirty="0" smtClean="0"/>
-                <a:t>Retirement</a:t>
-              </a:r>
-              <a:endParaRPr lang="en-AU" dirty="0"/>
-            </a:p>
-          </p:txBody>
-        </p:sp>
-        <p:cxnSp>
-          <p:nvCxnSpPr>
-            <p:cNvPr id="16" name="Straight Arrow Connector 15"/>
-            <p:cNvCxnSpPr>
-              <a:stCxn id="4" idx="2"/>
-              <a:endCxn id="5" idx="0"/>
-            </p:cNvCxnSpPr>
-            <p:nvPr/>
-          </p:nvCxnSpPr>
-          <p:spPr>
-            <a:xfrm>
-              <a:off x="4175956" y="1340768"/>
-              <a:ext cx="0" cy="648072"/>
-            </a:xfrm>
-            <a:prstGeom prst="straightConnector1">
-              <a:avLst/>
-            </a:prstGeom>
-            <a:ln w="38100">
-              <a:solidFill>
-                <a:schemeClr val="tx1"/>
-              </a:solidFill>
-              <a:tailEnd type="arrow"/>
-            </a:ln>
-          </p:spPr>
-          <p:style>
-            <a:lnRef idx="1">
-              <a:schemeClr val="accent1"/>
-            </a:lnRef>
-            <a:fillRef idx="0">
-              <a:schemeClr val="accent1"/>
-            </a:fillRef>
-            <a:effectRef idx="0">
-              <a:schemeClr val="accent1"/>
-            </a:effectRef>
-            <a:fontRef idx="minor">
-              <a:schemeClr val="tx1"/>
-            </a:fontRef>
-          </p:style>
-        </p:cxnSp>
-        <p:cxnSp>
-          <p:nvCxnSpPr>
-            <p:cNvPr id="18" name="Elbow Connector 17"/>
-            <p:cNvCxnSpPr>
-              <a:stCxn id="5" idx="3"/>
-              <a:endCxn id="6" idx="0"/>
-            </p:cNvCxnSpPr>
-            <p:nvPr/>
-          </p:nvCxnSpPr>
-          <p:spPr>
-            <a:xfrm>
-              <a:off x="5004048" y="2312876"/>
-              <a:ext cx="972108" cy="540060"/>
-            </a:xfrm>
-            <a:prstGeom prst="bentConnector2">
-              <a:avLst/>
-            </a:prstGeom>
-            <a:ln w="38100">
-              <a:solidFill>
-                <a:schemeClr val="tx1"/>
-              </a:solidFill>
-              <a:tailEnd type="arrow"/>
-            </a:ln>
-          </p:spPr>
-          <p:style>
-            <a:lnRef idx="1">
-              <a:schemeClr val="accent1"/>
-            </a:lnRef>
-            <a:fillRef idx="0">
-              <a:schemeClr val="accent1"/>
-            </a:fillRef>
-            <a:effectRef idx="0">
-              <a:schemeClr val="accent1"/>
-            </a:effectRef>
-            <a:fontRef idx="minor">
-              <a:schemeClr val="tx1"/>
-            </a:fontRef>
-          </p:style>
-        </p:cxnSp>
-        <p:cxnSp>
-          <p:nvCxnSpPr>
-            <p:cNvPr id="20" name="Elbow Connector 19"/>
-            <p:cNvCxnSpPr>
-              <a:stCxn id="6" idx="3"/>
-              <a:endCxn id="7" idx="1"/>
-            </p:cNvCxnSpPr>
-            <p:nvPr/>
-          </p:nvCxnSpPr>
-          <p:spPr>
-            <a:xfrm>
-              <a:off x="6804248" y="3176972"/>
-              <a:ext cx="360040" cy="1"/>
-            </a:xfrm>
-            <a:prstGeom prst="bentConnector3">
-              <a:avLst/>
-            </a:prstGeom>
-            <a:ln w="38100">
-              <a:solidFill>
-                <a:schemeClr val="tx1"/>
-              </a:solidFill>
-              <a:tailEnd type="arrow"/>
-            </a:ln>
-          </p:spPr>
-          <p:style>
-            <a:lnRef idx="1">
-              <a:schemeClr val="accent1"/>
-            </a:lnRef>
-            <a:fillRef idx="0">
-              <a:schemeClr val="accent1"/>
-            </a:fillRef>
-            <a:effectRef idx="0">
-              <a:schemeClr val="accent1"/>
-            </a:effectRef>
-            <a:fontRef idx="minor">
-              <a:schemeClr val="tx1"/>
-            </a:fontRef>
-          </p:style>
-        </p:cxnSp>
-        <p:cxnSp>
-          <p:nvCxnSpPr>
-            <p:cNvPr id="24" name="Elbow Connector 23"/>
-            <p:cNvCxnSpPr>
-              <a:stCxn id="8" idx="1"/>
-              <a:endCxn id="9" idx="3"/>
-            </p:cNvCxnSpPr>
-            <p:nvPr/>
-          </p:nvCxnSpPr>
-          <p:spPr>
-            <a:xfrm rot="10800000">
-              <a:off x="6804248" y="4176701"/>
-              <a:ext cx="360040" cy="1"/>
-            </a:xfrm>
-            <a:prstGeom prst="bentConnector3">
-              <a:avLst/>
-            </a:prstGeom>
-            <a:ln w="38100">
-              <a:solidFill>
-                <a:schemeClr val="tx1"/>
-              </a:solidFill>
-              <a:tailEnd type="arrow"/>
-            </a:ln>
-          </p:spPr>
-          <p:style>
-            <a:lnRef idx="1">
-              <a:schemeClr val="accent1"/>
-            </a:lnRef>
-            <a:fillRef idx="0">
-              <a:schemeClr val="accent1"/>
-            </a:fillRef>
-            <a:effectRef idx="0">
-              <a:schemeClr val="accent1"/>
-            </a:effectRef>
-            <a:fontRef idx="minor">
-              <a:schemeClr val="tx1"/>
-            </a:fontRef>
-          </p:style>
-        </p:cxnSp>
-        <p:cxnSp>
-          <p:nvCxnSpPr>
-            <p:cNvPr id="28" name="Elbow Connector 27"/>
-            <p:cNvCxnSpPr>
-              <a:stCxn id="9" idx="2"/>
-              <a:endCxn id="10" idx="3"/>
-            </p:cNvCxnSpPr>
-            <p:nvPr/>
-          </p:nvCxnSpPr>
-          <p:spPr>
-            <a:xfrm rot="5400000">
-              <a:off x="5251884" y="4252900"/>
-              <a:ext cx="476436" cy="972108"/>
-            </a:xfrm>
-            <a:prstGeom prst="bentConnector2">
-              <a:avLst/>
-            </a:prstGeom>
-            <a:ln w="38100">
-              <a:solidFill>
-                <a:schemeClr val="tx1"/>
-              </a:solidFill>
-              <a:tailEnd type="arrow"/>
-            </a:ln>
-          </p:spPr>
-          <p:style>
-            <a:lnRef idx="1">
-              <a:schemeClr val="accent1"/>
-            </a:lnRef>
-            <a:fillRef idx="0">
-              <a:schemeClr val="accent1"/>
-            </a:fillRef>
-            <a:effectRef idx="0">
-              <a:schemeClr val="accent1"/>
-            </a:effectRef>
-            <a:fontRef idx="minor">
-              <a:schemeClr val="tx1"/>
-            </a:fontRef>
-          </p:style>
-        </p:cxnSp>
-        <p:cxnSp>
-          <p:nvCxnSpPr>
-            <p:cNvPr id="30" name="Elbow Connector 29"/>
-            <p:cNvCxnSpPr>
-              <a:stCxn id="10" idx="1"/>
-              <a:endCxn id="11" idx="2"/>
-            </p:cNvCxnSpPr>
-            <p:nvPr/>
-          </p:nvCxnSpPr>
-          <p:spPr>
-            <a:xfrm rot="10800000">
-              <a:off x="2124612" y="4486582"/>
-              <a:ext cx="1223252" cy="490590"/>
-            </a:xfrm>
-            <a:prstGeom prst="bentConnector2">
-              <a:avLst/>
-            </a:prstGeom>
-            <a:ln w="38100">
-              <a:solidFill>
-                <a:schemeClr val="tx1"/>
-              </a:solidFill>
-              <a:tailEnd type="arrow"/>
-            </a:ln>
-          </p:spPr>
-          <p:style>
-            <a:lnRef idx="1">
-              <a:schemeClr val="accent1"/>
-            </a:lnRef>
-            <a:fillRef idx="0">
-              <a:schemeClr val="accent1"/>
-            </a:fillRef>
-            <a:effectRef idx="0">
-              <a:schemeClr val="accent1"/>
-            </a:effectRef>
-            <a:fontRef idx="minor">
-              <a:schemeClr val="tx1"/>
-            </a:fontRef>
-          </p:style>
-        </p:cxnSp>
-        <p:cxnSp>
-          <p:nvCxnSpPr>
-            <p:cNvPr id="32" name="Elbow Connector 31"/>
-            <p:cNvCxnSpPr>
-              <a:endCxn id="12" idx="2"/>
-            </p:cNvCxnSpPr>
-            <p:nvPr/>
-          </p:nvCxnSpPr>
-          <p:spPr>
-            <a:xfrm rot="16200000" flipV="1">
-              <a:off x="1690016" y="3932364"/>
-              <a:ext cx="886638" cy="17445"/>
-            </a:xfrm>
-            <a:prstGeom prst="bentConnector3">
-              <a:avLst>
-                <a:gd name="adj1" fmla="val 50000"/>
-              </a:avLst>
-            </a:prstGeom>
-            <a:ln w="38100">
-              <a:solidFill>
-                <a:schemeClr val="tx1"/>
-              </a:solidFill>
-              <a:tailEnd type="arrow"/>
-            </a:ln>
-          </p:spPr>
-          <p:style>
-            <a:lnRef idx="1">
-              <a:schemeClr val="accent1"/>
-            </a:lnRef>
-            <a:fillRef idx="0">
-              <a:schemeClr val="accent1"/>
-            </a:fillRef>
-            <a:effectRef idx="0">
-              <a:schemeClr val="accent1"/>
-            </a:effectRef>
-            <a:fontRef idx="minor">
-              <a:schemeClr val="tx1"/>
-            </a:fontRef>
-          </p:style>
-        </p:cxnSp>
-        <p:cxnSp>
-          <p:nvCxnSpPr>
-            <p:cNvPr id="34" name="Elbow Connector 33"/>
-            <p:cNvCxnSpPr/>
-            <p:nvPr/>
-          </p:nvCxnSpPr>
-          <p:spPr>
-            <a:xfrm rot="5400000" flipH="1" flipV="1">
-              <a:off x="1265154" y="2222867"/>
-              <a:ext cx="1764198" cy="1"/>
-            </a:xfrm>
-            <a:prstGeom prst="bentConnector3">
-              <a:avLst/>
-            </a:prstGeom>
-            <a:ln w="38100">
-              <a:solidFill>
-                <a:schemeClr val="tx1"/>
-              </a:solidFill>
-              <a:tailEnd type="arrow"/>
-            </a:ln>
-          </p:spPr>
-          <p:style>
-            <a:lnRef idx="1">
-              <a:schemeClr val="accent1"/>
-            </a:lnRef>
-            <a:fillRef idx="0">
-              <a:schemeClr val="accent1"/>
-            </a:fillRef>
-            <a:effectRef idx="0">
-              <a:schemeClr val="accent1"/>
-            </a:effectRef>
-            <a:fontRef idx="minor">
-              <a:schemeClr val="tx1"/>
-            </a:fontRef>
-          </p:style>
-        </p:cxnSp>
-        <p:cxnSp>
-          <p:nvCxnSpPr>
-            <p:cNvPr id="36" name="Elbow Connector 35"/>
-            <p:cNvCxnSpPr>
-              <a:endCxn id="5" idx="1"/>
-            </p:cNvCxnSpPr>
-            <p:nvPr/>
-          </p:nvCxnSpPr>
-          <p:spPr>
-            <a:xfrm flipV="1">
-              <a:off x="2555778" y="2312876"/>
-              <a:ext cx="792086" cy="589530"/>
-            </a:xfrm>
-            <a:prstGeom prst="bentConnector3">
-              <a:avLst>
-                <a:gd name="adj1" fmla="val 1756"/>
-              </a:avLst>
-            </a:prstGeom>
-            <a:ln w="38100">
-              <a:solidFill>
-                <a:schemeClr val="tx1"/>
-              </a:solidFill>
-              <a:tailEnd type="arrow"/>
-            </a:ln>
-          </p:spPr>
-          <p:style>
-            <a:lnRef idx="1">
-              <a:schemeClr val="accent1"/>
-            </a:lnRef>
-            <a:fillRef idx="0">
-              <a:schemeClr val="accent1"/>
-            </a:fillRef>
-            <a:effectRef idx="0">
-              <a:schemeClr val="accent1"/>
-            </a:effectRef>
-            <a:fontRef idx="minor">
-              <a:schemeClr val="tx1"/>
-            </a:fontRef>
-          </p:style>
-        </p:cxnSp>
-        <p:sp>
-          <p:nvSpPr>
-            <p:cNvPr id="12" name="Rounded Rectangle 11"/>
-            <p:cNvSpPr/>
-            <p:nvPr/>
-          </p:nvSpPr>
-          <p:spPr>
-            <a:xfrm>
-              <a:off x="1279075" y="2849696"/>
-              <a:ext cx="1691074" cy="648072"/>
-            </a:xfrm>
-            <a:prstGeom prst="roundRect">
-              <a:avLst/>
-            </a:prstGeom>
-          </p:spPr>
-          <p:style>
-            <a:lnRef idx="1">
-              <a:schemeClr val="dk1"/>
-            </a:lnRef>
-            <a:fillRef idx="2">
-              <a:schemeClr val="dk1"/>
-            </a:fillRef>
-            <a:effectRef idx="1">
-              <a:schemeClr val="dk1"/>
-            </a:effectRef>
-            <a:fontRef idx="minor">
-              <a:schemeClr val="dk1"/>
-            </a:fontRef>
-          </p:style>
-          <p:txBody>
-            <a:bodyPr rtlCol="0" anchor="ctr"/>
-            <a:lstStyle/>
-            <a:p>
-              <a:pPr algn="ctr"/>
-              <a:r>
-                <a:rPr lang="en-AU" dirty="0" smtClean="0"/>
-                <a:t>Optimisation</a:t>
-              </a:r>
-              <a:endParaRPr lang="en-AU" dirty="0"/>
-            </a:p>
-          </p:txBody>
-        </p:sp>
-        <p:sp>
-          <p:nvSpPr>
-            <p:cNvPr id="11" name="Rounded Rectangle 10"/>
-            <p:cNvSpPr/>
-            <p:nvPr/>
-          </p:nvSpPr>
-          <p:spPr>
-            <a:xfrm>
-              <a:off x="1279075" y="3838510"/>
-              <a:ext cx="1691074" cy="648072"/>
-            </a:xfrm>
-            <a:prstGeom prst="roundRect">
-              <a:avLst/>
-            </a:prstGeom>
-          </p:spPr>
-          <p:style>
-            <a:lnRef idx="1">
-              <a:schemeClr val="dk1"/>
-            </a:lnRef>
-            <a:fillRef idx="2">
-              <a:schemeClr val="dk1"/>
-            </a:fillRef>
-            <a:effectRef idx="1">
-              <a:schemeClr val="dk1"/>
-            </a:effectRef>
-            <a:fontRef idx="minor">
-              <a:schemeClr val="dk1"/>
-            </a:fontRef>
-          </p:style>
-          <p:txBody>
-            <a:bodyPr rtlCol="0" anchor="ctr"/>
-            <a:lstStyle/>
-            <a:p>
-              <a:pPr algn="ctr"/>
-              <a:r>
-                <a:rPr lang="en-AU" dirty="0" smtClean="0"/>
-                <a:t>Operation</a:t>
-              </a:r>
-              <a:endParaRPr lang="en-AU" dirty="0"/>
-            </a:p>
-          </p:txBody>
-        </p:sp>
-        <p:cxnSp>
-          <p:nvCxnSpPr>
-            <p:cNvPr id="70" name="Elbow Connector 69"/>
-            <p:cNvCxnSpPr/>
-            <p:nvPr/>
-          </p:nvCxnSpPr>
-          <p:spPr>
-            <a:xfrm rot="16200000" flipH="1">
-              <a:off x="5688126" y="3550478"/>
-              <a:ext cx="576062" cy="2"/>
-            </a:xfrm>
-            <a:prstGeom prst="bentConnector3">
-              <a:avLst>
-                <a:gd name="adj1" fmla="val 50000"/>
-              </a:avLst>
-            </a:prstGeom>
-            <a:ln w="38100">
-              <a:solidFill>
-                <a:schemeClr val="tx1"/>
-              </a:solidFill>
-              <a:tailEnd type="arrow"/>
-            </a:ln>
-          </p:spPr>
-          <p:style>
-            <a:lnRef idx="1">
-              <a:schemeClr val="accent1"/>
-            </a:lnRef>
-            <a:fillRef idx="0">
-              <a:schemeClr val="accent1"/>
-            </a:fillRef>
-            <a:effectRef idx="0">
-              <a:schemeClr val="accent1"/>
-            </a:effectRef>
-            <a:fontRef idx="minor">
-              <a:schemeClr val="tx1"/>
-            </a:fontRef>
-          </p:style>
-        </p:cxnSp>
-        <p:sp>
-          <p:nvSpPr>
-            <p:cNvPr id="6" name="Rounded Rectangle 5"/>
-            <p:cNvSpPr/>
-            <p:nvPr/>
-          </p:nvSpPr>
-          <p:spPr>
-            <a:xfrm>
-              <a:off x="5148064" y="2852936"/>
-              <a:ext cx="1656184" cy="648072"/>
-            </a:xfrm>
-            <a:prstGeom prst="roundRect">
-              <a:avLst/>
-            </a:prstGeom>
-          </p:spPr>
-          <p:style>
-            <a:lnRef idx="1">
-              <a:schemeClr val="dk1"/>
-            </a:lnRef>
-            <a:fillRef idx="2">
-              <a:schemeClr val="dk1"/>
-            </a:fillRef>
-            <a:effectRef idx="1">
-              <a:schemeClr val="dk1"/>
-            </a:effectRef>
-            <a:fontRef idx="minor">
-              <a:schemeClr val="dk1"/>
-            </a:fontRef>
-          </p:style>
-          <p:txBody>
-            <a:bodyPr rtlCol="0" anchor="ctr"/>
-            <a:lstStyle/>
-            <a:p>
-              <a:pPr algn="ctr"/>
-              <a:r>
-                <a:rPr lang="en-AU" dirty="0" smtClean="0"/>
-                <a:t>Design</a:t>
-              </a:r>
-              <a:endParaRPr lang="en-AU" dirty="0"/>
-            </a:p>
-          </p:txBody>
-        </p:sp>
-        <p:cxnSp>
-          <p:nvCxnSpPr>
-            <p:cNvPr id="87" name="Elbow Connector 86"/>
-            <p:cNvCxnSpPr/>
-            <p:nvPr/>
-          </p:nvCxnSpPr>
-          <p:spPr>
-            <a:xfrm rot="16200000" flipH="1">
-              <a:off x="7596338" y="3573015"/>
-              <a:ext cx="576062" cy="2"/>
-            </a:xfrm>
-            <a:prstGeom prst="bentConnector3">
-              <a:avLst>
-                <a:gd name="adj1" fmla="val 50000"/>
-              </a:avLst>
-            </a:prstGeom>
-            <a:ln w="38100">
-              <a:solidFill>
-                <a:schemeClr val="tx1"/>
-              </a:solidFill>
-              <a:tailEnd type="arrow"/>
-            </a:ln>
-          </p:spPr>
-          <p:style>
-            <a:lnRef idx="1">
-              <a:schemeClr val="accent1"/>
-            </a:lnRef>
-            <a:fillRef idx="0">
-              <a:schemeClr val="accent1"/>
-            </a:fillRef>
-            <a:effectRef idx="0">
-              <a:schemeClr val="accent1"/>
-            </a:effectRef>
-            <a:fontRef idx="minor">
-              <a:schemeClr val="tx1"/>
-            </a:fontRef>
-          </p:style>
-        </p:cxnSp>
-        <p:sp>
-          <p:nvSpPr>
-            <p:cNvPr id="7" name="Rounded Rectangle 6"/>
-            <p:cNvSpPr/>
-            <p:nvPr/>
-          </p:nvSpPr>
-          <p:spPr>
-            <a:xfrm>
-              <a:off x="7164288" y="2849696"/>
-              <a:ext cx="1656184" cy="654553"/>
-            </a:xfrm>
-            <a:prstGeom prst="roundRect">
-              <a:avLst/>
-            </a:prstGeom>
-          </p:spPr>
-          <p:style>
-            <a:lnRef idx="1">
-              <a:schemeClr val="dk1"/>
-            </a:lnRef>
-            <a:fillRef idx="2">
-              <a:schemeClr val="dk1"/>
-            </a:fillRef>
-            <a:effectRef idx="1">
-              <a:schemeClr val="dk1"/>
-            </a:effectRef>
-            <a:fontRef idx="minor">
-              <a:schemeClr val="dk1"/>
-            </a:fontRef>
-          </p:style>
-          <p:txBody>
-            <a:bodyPr rtlCol="0" anchor="ctr"/>
-            <a:lstStyle/>
-            <a:p>
-              <a:pPr algn="ctr"/>
-              <a:r>
-                <a:rPr lang="en-AU" dirty="0" smtClean="0"/>
-                <a:t>Evaluation</a:t>
-              </a:r>
-              <a:endParaRPr lang="en-AU" dirty="0"/>
-            </a:p>
-          </p:txBody>
-        </p:sp>
-      </p:grpSp>
+            <a:ext cx="1691074" cy="648072"/>
+          </a:xfrm>
+          <a:prstGeom prst="roundRect">
+            <a:avLst/>
+          </a:prstGeom>
+        </p:spPr>
+        <p:style>
+          <a:lnRef idx="1">
+            <a:schemeClr val="dk1"/>
+          </a:lnRef>
+          <a:fillRef idx="2">
+            <a:schemeClr val="dk1"/>
+          </a:fillRef>
+          <a:effectRef idx="1">
+            <a:schemeClr val="dk1"/>
+          </a:effectRef>
+          <a:fontRef idx="minor">
+            <a:schemeClr val="dk1"/>
+          </a:fontRef>
+        </p:style>
+        <p:txBody>
+          <a:bodyPr rtlCol="0" anchor="ctr"/>
+          <a:lstStyle/>
+          <a:p>
+            <a:pPr algn="ctr"/>
+            <a:r>
+              <a:rPr lang="en-AU" dirty="0" smtClean="0"/>
+              <a:t>Retirement</a:t>
+            </a:r>
+            <a:endParaRPr lang="en-AU" dirty="0"/>
+          </a:p>
+        </p:txBody>
+      </p:sp>
+      <p:cxnSp>
+        <p:nvCxnSpPr>
+          <p:cNvPr id="16" name="Straight Arrow Connector 15"/>
+          <p:cNvCxnSpPr>
+            <a:stCxn id="4" idx="2"/>
+            <a:endCxn id="5" idx="0"/>
+          </p:cNvCxnSpPr>
+          <p:nvPr/>
+        </p:nvCxnSpPr>
+        <p:spPr>
+          <a:xfrm>
+            <a:off x="4175956" y="1340768"/>
+            <a:ext cx="0" cy="504056"/>
+          </a:xfrm>
+          <a:prstGeom prst="straightConnector1">
+            <a:avLst/>
+          </a:prstGeom>
+          <a:ln w="38100">
+            <a:solidFill>
+              <a:srgbClr val="FFC000"/>
+            </a:solidFill>
+            <a:tailEnd type="arrow"/>
+          </a:ln>
+        </p:spPr>
+        <p:style>
+          <a:lnRef idx="1">
+            <a:schemeClr val="accent1"/>
+          </a:lnRef>
+          <a:fillRef idx="0">
+            <a:schemeClr val="accent1"/>
+          </a:fillRef>
+          <a:effectRef idx="0">
+            <a:schemeClr val="accent1"/>
+          </a:effectRef>
+          <a:fontRef idx="minor">
+            <a:schemeClr val="tx1"/>
+          </a:fontRef>
+        </p:style>
+      </p:cxnSp>
+      <p:cxnSp>
+        <p:nvCxnSpPr>
+          <p:cNvPr id="18" name="Elbow Connector 17"/>
+          <p:cNvCxnSpPr>
+            <a:stCxn id="5" idx="3"/>
+            <a:endCxn id="6" idx="0"/>
+          </p:cNvCxnSpPr>
+          <p:nvPr/>
+        </p:nvCxnSpPr>
+        <p:spPr>
+          <a:xfrm>
+            <a:off x="5148064" y="2240868"/>
+            <a:ext cx="828092" cy="612068"/>
+          </a:xfrm>
+          <a:prstGeom prst="bentConnector2">
+            <a:avLst/>
+          </a:prstGeom>
+          <a:ln w="38100">
+            <a:solidFill>
+              <a:srgbClr val="FFC000"/>
+            </a:solidFill>
+            <a:tailEnd type="arrow"/>
+          </a:ln>
+        </p:spPr>
+        <p:style>
+          <a:lnRef idx="1">
+            <a:schemeClr val="accent1"/>
+          </a:lnRef>
+          <a:fillRef idx="0">
+            <a:schemeClr val="accent1"/>
+          </a:fillRef>
+          <a:effectRef idx="0">
+            <a:schemeClr val="accent1"/>
+          </a:effectRef>
+          <a:fontRef idx="minor">
+            <a:schemeClr val="tx1"/>
+          </a:fontRef>
+        </p:style>
+      </p:cxnSp>
+      <p:cxnSp>
+        <p:nvCxnSpPr>
+          <p:cNvPr id="20" name="Elbow Connector 19"/>
+          <p:cNvCxnSpPr>
+            <a:stCxn id="6" idx="3"/>
+            <a:endCxn id="7" idx="1"/>
+          </p:cNvCxnSpPr>
+          <p:nvPr/>
+        </p:nvCxnSpPr>
+        <p:spPr>
+          <a:xfrm>
+            <a:off x="6804248" y="3176972"/>
+            <a:ext cx="360040" cy="1"/>
+          </a:xfrm>
+          <a:prstGeom prst="bentConnector3">
+            <a:avLst/>
+          </a:prstGeom>
+          <a:ln w="38100">
+            <a:solidFill>
+              <a:srgbClr val="FFC000"/>
+            </a:solidFill>
+            <a:tailEnd type="arrow"/>
+          </a:ln>
+        </p:spPr>
+        <p:style>
+          <a:lnRef idx="1">
+            <a:schemeClr val="accent1"/>
+          </a:lnRef>
+          <a:fillRef idx="0">
+            <a:schemeClr val="accent1"/>
+          </a:fillRef>
+          <a:effectRef idx="0">
+            <a:schemeClr val="accent1"/>
+          </a:effectRef>
+          <a:fontRef idx="minor">
+            <a:schemeClr val="tx1"/>
+          </a:fontRef>
+        </p:style>
+      </p:cxnSp>
+      <p:cxnSp>
+        <p:nvCxnSpPr>
+          <p:cNvPr id="24" name="Elbow Connector 23"/>
+          <p:cNvCxnSpPr>
+            <a:stCxn id="8" idx="1"/>
+            <a:endCxn id="9" idx="3"/>
+          </p:cNvCxnSpPr>
+          <p:nvPr/>
+        </p:nvCxnSpPr>
+        <p:spPr>
+          <a:xfrm rot="10800000">
+            <a:off x="6804248" y="4176701"/>
+            <a:ext cx="360040" cy="1"/>
+          </a:xfrm>
+          <a:prstGeom prst="bentConnector3">
+            <a:avLst/>
+          </a:prstGeom>
+          <a:ln w="38100">
+            <a:solidFill>
+              <a:srgbClr val="FFC000"/>
+            </a:solidFill>
+            <a:tailEnd type="arrow"/>
+          </a:ln>
+        </p:spPr>
+        <p:style>
+          <a:lnRef idx="1">
+            <a:schemeClr val="accent1"/>
+          </a:lnRef>
+          <a:fillRef idx="0">
+            <a:schemeClr val="accent1"/>
+          </a:fillRef>
+          <a:effectRef idx="0">
+            <a:schemeClr val="accent1"/>
+          </a:effectRef>
+          <a:fontRef idx="minor">
+            <a:schemeClr val="tx1"/>
+          </a:fontRef>
+        </p:style>
+      </p:cxnSp>
+      <p:cxnSp>
+        <p:nvCxnSpPr>
+          <p:cNvPr id="28" name="Elbow Connector 27"/>
+          <p:cNvCxnSpPr>
+            <a:stCxn id="9" idx="2"/>
+            <a:endCxn id="10" idx="3"/>
+          </p:cNvCxnSpPr>
+          <p:nvPr/>
+        </p:nvCxnSpPr>
+        <p:spPr>
+          <a:xfrm rot="5400000">
+            <a:off x="5251884" y="4252900"/>
+            <a:ext cx="476436" cy="972108"/>
+          </a:xfrm>
+          <a:prstGeom prst="bentConnector2">
+            <a:avLst/>
+          </a:prstGeom>
+          <a:ln w="38100">
+            <a:solidFill>
+              <a:srgbClr val="FFC000"/>
+            </a:solidFill>
+            <a:tailEnd type="arrow"/>
+          </a:ln>
+        </p:spPr>
+        <p:style>
+          <a:lnRef idx="1">
+            <a:schemeClr val="accent1"/>
+          </a:lnRef>
+          <a:fillRef idx="0">
+            <a:schemeClr val="accent1"/>
+          </a:fillRef>
+          <a:effectRef idx="0">
+            <a:schemeClr val="accent1"/>
+          </a:effectRef>
+          <a:fontRef idx="minor">
+            <a:schemeClr val="tx1"/>
+          </a:fontRef>
+        </p:style>
+      </p:cxnSp>
+      <p:cxnSp>
+        <p:nvCxnSpPr>
+          <p:cNvPr id="30" name="Elbow Connector 29"/>
+          <p:cNvCxnSpPr>
+            <a:stCxn id="10" idx="1"/>
+            <a:endCxn id="11" idx="2"/>
+          </p:cNvCxnSpPr>
+          <p:nvPr/>
+        </p:nvCxnSpPr>
+        <p:spPr>
+          <a:xfrm rot="10800000">
+            <a:off x="2124612" y="4486582"/>
+            <a:ext cx="1223252" cy="490590"/>
+          </a:xfrm>
+          <a:prstGeom prst="bentConnector2">
+            <a:avLst/>
+          </a:prstGeom>
+          <a:ln w="38100">
+            <a:solidFill>
+              <a:srgbClr val="FFC000"/>
+            </a:solidFill>
+            <a:tailEnd type="arrow"/>
+          </a:ln>
+        </p:spPr>
+        <p:style>
+          <a:lnRef idx="1">
+            <a:schemeClr val="accent1"/>
+          </a:lnRef>
+          <a:fillRef idx="0">
+            <a:schemeClr val="accent1"/>
+          </a:fillRef>
+          <a:effectRef idx="0">
+            <a:schemeClr val="accent1"/>
+          </a:effectRef>
+          <a:fontRef idx="minor">
+            <a:schemeClr val="tx1"/>
+          </a:fontRef>
+        </p:style>
+      </p:cxnSp>
+      <p:cxnSp>
+        <p:nvCxnSpPr>
+          <p:cNvPr id="32" name="Elbow Connector 31"/>
+          <p:cNvCxnSpPr>
+            <a:endCxn id="12" idx="2"/>
+          </p:cNvCxnSpPr>
+          <p:nvPr/>
+        </p:nvCxnSpPr>
+        <p:spPr>
+          <a:xfrm rot="16200000" flipV="1">
+            <a:off x="1690016" y="3932364"/>
+            <a:ext cx="886638" cy="17445"/>
+          </a:xfrm>
+          <a:prstGeom prst="bentConnector3">
+            <a:avLst>
+              <a:gd name="adj1" fmla="val 50000"/>
+            </a:avLst>
+          </a:prstGeom>
+          <a:ln w="38100">
+            <a:solidFill>
+              <a:srgbClr val="FFC000"/>
+            </a:solidFill>
+            <a:tailEnd type="arrow"/>
+          </a:ln>
+        </p:spPr>
+        <p:style>
+          <a:lnRef idx="1">
+            <a:schemeClr val="accent1"/>
+          </a:lnRef>
+          <a:fillRef idx="0">
+            <a:schemeClr val="accent1"/>
+          </a:fillRef>
+          <a:effectRef idx="0">
+            <a:schemeClr val="accent1"/>
+          </a:effectRef>
+          <a:fontRef idx="minor">
+            <a:schemeClr val="tx1"/>
+          </a:fontRef>
+        </p:style>
+      </p:cxnSp>
+      <p:cxnSp>
+        <p:nvCxnSpPr>
+          <p:cNvPr id="34" name="Elbow Connector 33"/>
+          <p:cNvCxnSpPr/>
+          <p:nvPr/>
+        </p:nvCxnSpPr>
+        <p:spPr>
+          <a:xfrm rot="5400000" flipH="1" flipV="1">
+            <a:off x="1265154" y="2222867"/>
+            <a:ext cx="1764198" cy="1"/>
+          </a:xfrm>
+          <a:prstGeom prst="bentConnector3">
+            <a:avLst/>
+          </a:prstGeom>
+          <a:ln w="38100">
+            <a:solidFill>
+              <a:srgbClr val="FFC000"/>
+            </a:solidFill>
+            <a:tailEnd type="arrow"/>
+          </a:ln>
+        </p:spPr>
+        <p:style>
+          <a:lnRef idx="1">
+            <a:schemeClr val="accent1"/>
+          </a:lnRef>
+          <a:fillRef idx="0">
+            <a:schemeClr val="accent1"/>
+          </a:fillRef>
+          <a:effectRef idx="0">
+            <a:schemeClr val="accent1"/>
+          </a:effectRef>
+          <a:fontRef idx="minor">
+            <a:schemeClr val="tx1"/>
+          </a:fontRef>
+        </p:style>
+      </p:cxnSp>
+      <p:cxnSp>
+        <p:nvCxnSpPr>
+          <p:cNvPr id="36" name="Elbow Connector 35"/>
+          <p:cNvCxnSpPr>
+            <a:endCxn id="5" idx="1"/>
+          </p:cNvCxnSpPr>
+          <p:nvPr/>
+        </p:nvCxnSpPr>
+        <p:spPr>
+          <a:xfrm rot="5400000" flipH="1" flipV="1">
+            <a:off x="2549044" y="2247602"/>
+            <a:ext cx="661538" cy="648070"/>
+          </a:xfrm>
+          <a:prstGeom prst="bentConnector2">
+            <a:avLst/>
+          </a:prstGeom>
+          <a:ln w="38100">
+            <a:solidFill>
+              <a:srgbClr val="FFC000"/>
+            </a:solidFill>
+            <a:tailEnd type="arrow"/>
+          </a:ln>
+        </p:spPr>
+        <p:style>
+          <a:lnRef idx="1">
+            <a:schemeClr val="accent1"/>
+          </a:lnRef>
+          <a:fillRef idx="0">
+            <a:schemeClr val="accent1"/>
+          </a:fillRef>
+          <a:effectRef idx="0">
+            <a:schemeClr val="accent1"/>
+          </a:effectRef>
+          <a:fontRef idx="minor">
+            <a:schemeClr val="tx1"/>
+          </a:fontRef>
+        </p:style>
+      </p:cxnSp>
+      <p:sp>
+        <p:nvSpPr>
+          <p:cNvPr id="12" name="Rounded Rectangle 11"/>
+          <p:cNvSpPr/>
+          <p:nvPr/>
+        </p:nvSpPr>
+        <p:spPr>
+          <a:xfrm>
+            <a:off x="1279075" y="2849696"/>
+            <a:ext cx="1691074" cy="648072"/>
+          </a:xfrm>
+          <a:prstGeom prst="roundRect">
+            <a:avLst/>
+          </a:prstGeom>
+        </p:spPr>
+        <p:style>
+          <a:lnRef idx="1">
+            <a:schemeClr val="dk1"/>
+          </a:lnRef>
+          <a:fillRef idx="2">
+            <a:schemeClr val="dk1"/>
+          </a:fillRef>
+          <a:effectRef idx="1">
+            <a:schemeClr val="dk1"/>
+          </a:effectRef>
+          <a:fontRef idx="minor">
+            <a:schemeClr val="dk1"/>
+          </a:fontRef>
+        </p:style>
+        <p:txBody>
+          <a:bodyPr rtlCol="0" anchor="ctr"/>
+          <a:lstStyle/>
+          <a:p>
+            <a:pPr algn="ctr"/>
+            <a:r>
+              <a:rPr lang="en-AU" dirty="0" smtClean="0"/>
+              <a:t>Optimisation</a:t>
+            </a:r>
+            <a:endParaRPr lang="en-AU" dirty="0"/>
+          </a:p>
+        </p:txBody>
+      </p:sp>
+      <p:sp>
+        <p:nvSpPr>
+          <p:cNvPr id="11" name="Rounded Rectangle 10"/>
+          <p:cNvSpPr/>
+          <p:nvPr/>
+        </p:nvSpPr>
+        <p:spPr>
+          <a:xfrm>
+            <a:off x="1279075" y="3838510"/>
+            <a:ext cx="1691074" cy="648072"/>
+          </a:xfrm>
+          <a:prstGeom prst="roundRect">
+            <a:avLst/>
+          </a:prstGeom>
+        </p:spPr>
+        <p:style>
+          <a:lnRef idx="1">
+            <a:schemeClr val="dk1"/>
+          </a:lnRef>
+          <a:fillRef idx="2">
+            <a:schemeClr val="dk1"/>
+          </a:fillRef>
+          <a:effectRef idx="1">
+            <a:schemeClr val="dk1"/>
+          </a:effectRef>
+          <a:fontRef idx="minor">
+            <a:schemeClr val="dk1"/>
+          </a:fontRef>
+        </p:style>
+        <p:txBody>
+          <a:bodyPr rtlCol="0" anchor="ctr"/>
+          <a:lstStyle/>
+          <a:p>
+            <a:pPr algn="ctr"/>
+            <a:r>
+              <a:rPr lang="en-AU" dirty="0" smtClean="0"/>
+              <a:t>Operation</a:t>
+            </a:r>
+            <a:endParaRPr lang="en-AU" dirty="0"/>
+          </a:p>
+        </p:txBody>
+      </p:sp>
+      <p:cxnSp>
+        <p:nvCxnSpPr>
+          <p:cNvPr id="70" name="Elbow Connector 69"/>
+          <p:cNvCxnSpPr/>
+          <p:nvPr/>
+        </p:nvCxnSpPr>
+        <p:spPr>
+          <a:xfrm rot="16200000" flipH="1">
+            <a:off x="5688126" y="3550478"/>
+            <a:ext cx="576062" cy="2"/>
+          </a:xfrm>
+          <a:prstGeom prst="bentConnector3">
+            <a:avLst>
+              <a:gd name="adj1" fmla="val 50000"/>
+            </a:avLst>
+          </a:prstGeom>
+          <a:ln w="38100">
+            <a:solidFill>
+              <a:srgbClr val="FFC000"/>
+            </a:solidFill>
+            <a:tailEnd type="arrow"/>
+          </a:ln>
+        </p:spPr>
+        <p:style>
+          <a:lnRef idx="1">
+            <a:schemeClr val="accent1"/>
+          </a:lnRef>
+          <a:fillRef idx="0">
+            <a:schemeClr val="accent1"/>
+          </a:fillRef>
+          <a:effectRef idx="0">
+            <a:schemeClr val="accent1"/>
+          </a:effectRef>
+          <a:fontRef idx="minor">
+            <a:schemeClr val="tx1"/>
+          </a:fontRef>
+        </p:style>
+      </p:cxnSp>
+      <p:sp>
+        <p:nvSpPr>
+          <p:cNvPr id="6" name="Rounded Rectangle 5"/>
+          <p:cNvSpPr/>
+          <p:nvPr/>
+        </p:nvSpPr>
+        <p:spPr>
+          <a:xfrm>
+            <a:off x="5148064" y="2852936"/>
+            <a:ext cx="1656184" cy="648072"/>
+          </a:xfrm>
+          <a:prstGeom prst="roundRect">
+            <a:avLst/>
+          </a:prstGeom>
+        </p:spPr>
+        <p:style>
+          <a:lnRef idx="1">
+            <a:schemeClr val="dk1"/>
+          </a:lnRef>
+          <a:fillRef idx="2">
+            <a:schemeClr val="dk1"/>
+          </a:fillRef>
+          <a:effectRef idx="1">
+            <a:schemeClr val="dk1"/>
+          </a:effectRef>
+          <a:fontRef idx="minor">
+            <a:schemeClr val="dk1"/>
+          </a:fontRef>
+        </p:style>
+        <p:txBody>
+          <a:bodyPr rtlCol="0" anchor="ctr"/>
+          <a:lstStyle/>
+          <a:p>
+            <a:pPr algn="ctr"/>
+            <a:r>
+              <a:rPr lang="en-AU" dirty="0" smtClean="0"/>
+              <a:t>Design</a:t>
+            </a:r>
+            <a:endParaRPr lang="en-AU" dirty="0"/>
+          </a:p>
+        </p:txBody>
+      </p:sp>
+      <p:cxnSp>
+        <p:nvCxnSpPr>
+          <p:cNvPr id="87" name="Elbow Connector 86"/>
+          <p:cNvCxnSpPr/>
+          <p:nvPr/>
+        </p:nvCxnSpPr>
+        <p:spPr>
+          <a:xfrm rot="16200000" flipH="1">
+            <a:off x="7596338" y="3573015"/>
+            <a:ext cx="576062" cy="2"/>
+          </a:xfrm>
+          <a:prstGeom prst="bentConnector3">
+            <a:avLst>
+              <a:gd name="adj1" fmla="val 50000"/>
+            </a:avLst>
+          </a:prstGeom>
+          <a:ln w="38100">
+            <a:solidFill>
+              <a:srgbClr val="FFC000"/>
+            </a:solidFill>
+            <a:tailEnd type="arrow"/>
+          </a:ln>
+        </p:spPr>
+        <p:style>
+          <a:lnRef idx="1">
+            <a:schemeClr val="accent1"/>
+          </a:lnRef>
+          <a:fillRef idx="0">
+            <a:schemeClr val="accent1"/>
+          </a:fillRef>
+          <a:effectRef idx="0">
+            <a:schemeClr val="accent1"/>
+          </a:effectRef>
+          <a:fontRef idx="minor">
+            <a:schemeClr val="tx1"/>
+          </a:fontRef>
+        </p:style>
+      </p:cxnSp>
+      <p:sp>
+        <p:nvSpPr>
+          <p:cNvPr id="7" name="Rounded Rectangle 6"/>
+          <p:cNvSpPr/>
+          <p:nvPr/>
+        </p:nvSpPr>
+        <p:spPr>
+          <a:xfrm>
+            <a:off x="7164288" y="2849696"/>
+            <a:ext cx="1656184" cy="654553"/>
+          </a:xfrm>
+          <a:prstGeom prst="roundRect">
+            <a:avLst/>
+          </a:prstGeom>
+        </p:spPr>
+        <p:style>
+          <a:lnRef idx="1">
+            <a:schemeClr val="dk1"/>
+          </a:lnRef>
+          <a:fillRef idx="2">
+            <a:schemeClr val="dk1"/>
+          </a:fillRef>
+          <a:effectRef idx="1">
+            <a:schemeClr val="dk1"/>
+          </a:effectRef>
+          <a:fontRef idx="minor">
+            <a:schemeClr val="dk1"/>
+          </a:fontRef>
+        </p:style>
+        <p:txBody>
+          <a:bodyPr rtlCol="0" anchor="ctr"/>
+          <a:lstStyle/>
+          <a:p>
+            <a:pPr algn="ctr"/>
+            <a:r>
+              <a:rPr lang="en-AU" dirty="0" smtClean="0"/>
+              <a:t>Evaluation</a:t>
+            </a:r>
+            <a:endParaRPr lang="en-AU" dirty="0"/>
+          </a:p>
+        </p:txBody>
+      </p:sp>
+      <p:sp>
+        <p:nvSpPr>
+          <p:cNvPr id="2" name="TextBox 1"/>
+          <p:cNvSpPr txBox="1"/>
+          <p:nvPr/>
+        </p:nvSpPr>
+        <p:spPr>
+          <a:xfrm>
+            <a:off x="0" y="46591"/>
+            <a:ext cx="1375185" cy="369332"/>
+          </a:xfrm>
+          <a:prstGeom prst="rect">
+            <a:avLst/>
+          </a:prstGeom>
+          <a:noFill/>
+        </p:spPr>
+        <p:txBody>
+          <a:bodyPr wrap="none" rtlCol="0">
+            <a:spAutoFit/>
+          </a:bodyPr>
+          <a:lstStyle/>
+          <a:p>
+            <a:r>
+              <a:rPr lang="en-AU" dirty="0" smtClean="0"/>
+              <a:t>ALM Process</a:t>
+            </a:r>
+            <a:endParaRPr lang="en-AU" dirty="0"/>
+          </a:p>
+        </p:txBody>
+      </p:sp>
     </p:spTree>
     <p:extLst>
       <p:ext uri="{BB962C8B-B14F-4D97-AF65-F5344CB8AC3E}">
         <p14:creationId xmlns:p14="http://schemas.microsoft.com/office/powerpoint/2010/main" val="1151835759"/>
+      </p:ext>
+    </p:extLst>
+  </p:cSld>
+  <p:clrMapOvr>
+    <a:masterClrMapping/>
+  </p:clrMapOvr>
+</p:sld>
+</file>
+
+<file path=ppt/slides/slide2.xml><?xml version="1.0" encoding="utf-8"?>
+<p:sld xmlns:a="http://schemas.openxmlformats.org/drawingml/2006/main" xmlns:r="http://schemas.openxmlformats.org/officeDocument/2006/relationships" xmlns:p="http://schemas.openxmlformats.org/presentationml/2006/main">
+  <p:cSld>
+    <p:bg>
+      <p:bgPr>
+        <a:solidFill>
+          <a:schemeClr val="tx1">
+            <a:lumMod val="50000"/>
+            <a:lumOff val="50000"/>
+          </a:schemeClr>
+        </a:solidFill>
+        <a:effectLst/>
+      </p:bgPr>
+    </p:bg>
+    <p:spTree>
+      <p:nvGrpSpPr>
+        <p:cNvPr id="1" name=""/>
+        <p:cNvGrpSpPr/>
+        <p:nvPr/>
+      </p:nvGrpSpPr>
+      <p:grpSpPr>
+        <a:xfrm>
+          <a:off x="0" y="0"/>
+          <a:ext cx="0" cy="0"/>
+          <a:chOff x="0" y="0"/>
+          <a:chExt cx="0" cy="0"/>
+        </a:xfrm>
+      </p:grpSpPr>
+      <p:sp>
+        <p:nvSpPr>
+          <p:cNvPr id="2" name="TextBox 1"/>
+          <p:cNvSpPr txBox="1"/>
+          <p:nvPr/>
+        </p:nvSpPr>
+        <p:spPr>
+          <a:xfrm>
+            <a:off x="0" y="46591"/>
+            <a:ext cx="2150332" cy="369332"/>
+          </a:xfrm>
+          <a:prstGeom prst="rect">
+            <a:avLst/>
+          </a:prstGeom>
+          <a:noFill/>
+        </p:spPr>
+        <p:txBody>
+          <a:bodyPr wrap="none" rtlCol="0">
+            <a:spAutoFit/>
+          </a:bodyPr>
+          <a:lstStyle/>
+          <a:p>
+            <a:r>
+              <a:rPr lang="en-AU" dirty="0" smtClean="0"/>
+              <a:t>Create Business Case</a:t>
+            </a:r>
+            <a:endParaRPr lang="en-AU" dirty="0"/>
+          </a:p>
+        </p:txBody>
+      </p:sp>
+      <p:sp>
+        <p:nvSpPr>
+          <p:cNvPr id="3" name="Rounded Rectangle 2"/>
+          <p:cNvSpPr/>
+          <p:nvPr/>
+        </p:nvSpPr>
+        <p:spPr>
+          <a:xfrm>
+            <a:off x="229629" y="1772816"/>
+            <a:ext cx="1246027" cy="864096"/>
+          </a:xfrm>
+          <a:prstGeom prst="roundRect">
+            <a:avLst/>
+          </a:prstGeom>
+        </p:spPr>
+        <p:style>
+          <a:lnRef idx="1">
+            <a:schemeClr val="dk1"/>
+          </a:lnRef>
+          <a:fillRef idx="2">
+            <a:schemeClr val="dk1"/>
+          </a:fillRef>
+          <a:effectRef idx="1">
+            <a:schemeClr val="dk1"/>
+          </a:effectRef>
+          <a:fontRef idx="minor">
+            <a:schemeClr val="dk1"/>
+          </a:fontRef>
+        </p:style>
+        <p:txBody>
+          <a:bodyPr rtlCol="0" anchor="ctr"/>
+          <a:lstStyle/>
+          <a:p>
+            <a:pPr algn="ctr"/>
+            <a:r>
+              <a:rPr lang="en-AU" dirty="0" smtClean="0"/>
+              <a:t>Business Needs</a:t>
+            </a:r>
+            <a:endParaRPr lang="en-AU" dirty="0"/>
+          </a:p>
+        </p:txBody>
+      </p:sp>
+      <p:sp>
+        <p:nvSpPr>
+          <p:cNvPr id="4" name="Rounded Rectangle 3"/>
+          <p:cNvSpPr/>
+          <p:nvPr/>
+        </p:nvSpPr>
+        <p:spPr>
+          <a:xfrm>
+            <a:off x="229629" y="3355892"/>
+            <a:ext cx="1691074" cy="865196"/>
+          </a:xfrm>
+          <a:prstGeom prst="roundRect">
+            <a:avLst/>
+          </a:prstGeom>
+        </p:spPr>
+        <p:style>
+          <a:lnRef idx="1">
+            <a:schemeClr val="dk1"/>
+          </a:lnRef>
+          <a:fillRef idx="2">
+            <a:schemeClr val="dk1"/>
+          </a:fillRef>
+          <a:effectRef idx="1">
+            <a:schemeClr val="dk1"/>
+          </a:effectRef>
+          <a:fontRef idx="minor">
+            <a:schemeClr val="dk1"/>
+          </a:fontRef>
+        </p:style>
+        <p:txBody>
+          <a:bodyPr rtlCol="0" anchor="ctr"/>
+          <a:lstStyle/>
+          <a:p>
+            <a:pPr algn="ctr"/>
+            <a:r>
+              <a:rPr lang="en-AU" dirty="0" smtClean="0"/>
+              <a:t>Articulate</a:t>
+            </a:r>
+          </a:p>
+          <a:p>
+            <a:pPr algn="ctr"/>
+            <a:r>
+              <a:rPr lang="en-AU" dirty="0" smtClean="0"/>
+              <a:t>High Level Requirements</a:t>
+            </a:r>
+            <a:endParaRPr lang="en-AU" dirty="0"/>
+          </a:p>
+        </p:txBody>
+      </p:sp>
+      <p:sp>
+        <p:nvSpPr>
+          <p:cNvPr id="5" name="TextBox 4"/>
+          <p:cNvSpPr txBox="1"/>
+          <p:nvPr/>
+        </p:nvSpPr>
+        <p:spPr>
+          <a:xfrm>
+            <a:off x="107504" y="415923"/>
+            <a:ext cx="8357798" cy="1200329"/>
+          </a:xfrm>
+          <a:prstGeom prst="rect">
+            <a:avLst/>
+          </a:prstGeom>
+          <a:noFill/>
+        </p:spPr>
+        <p:txBody>
+          <a:bodyPr wrap="square" rtlCol="0">
+            <a:spAutoFit/>
+          </a:bodyPr>
+          <a:lstStyle/>
+          <a:p>
+            <a:r>
+              <a:rPr lang="en-AU" dirty="0" smtClean="0"/>
+              <a:t>Description: The purpose is to produce an approved business case.</a:t>
+            </a:r>
+          </a:p>
+          <a:p>
+            <a:r>
+              <a:rPr lang="en-AU" dirty="0" smtClean="0"/>
+              <a:t>Inputs: Business Needs</a:t>
+            </a:r>
+          </a:p>
+          <a:p>
+            <a:r>
+              <a:rPr lang="en-AU" dirty="0" smtClean="0"/>
+              <a:t>Outputs: High Level requirements, Agreed Vision, Scope, Funding Approval, Sponsor has articulated Priorities and success/failure scenarios.</a:t>
+            </a:r>
+          </a:p>
+        </p:txBody>
+      </p:sp>
+      <p:sp>
+        <p:nvSpPr>
+          <p:cNvPr id="6" name="Rounded Rectangle 5"/>
+          <p:cNvSpPr/>
+          <p:nvPr/>
+        </p:nvSpPr>
+        <p:spPr>
+          <a:xfrm>
+            <a:off x="3779912" y="3355892"/>
+            <a:ext cx="1440160" cy="865196"/>
+          </a:xfrm>
+          <a:prstGeom prst="roundRect">
+            <a:avLst/>
+          </a:prstGeom>
+        </p:spPr>
+        <p:style>
+          <a:lnRef idx="1">
+            <a:schemeClr val="dk1"/>
+          </a:lnRef>
+          <a:fillRef idx="2">
+            <a:schemeClr val="dk1"/>
+          </a:fillRef>
+          <a:effectRef idx="1">
+            <a:schemeClr val="dk1"/>
+          </a:effectRef>
+          <a:fontRef idx="minor">
+            <a:schemeClr val="dk1"/>
+          </a:fontRef>
+        </p:style>
+        <p:txBody>
+          <a:bodyPr rtlCol="0" anchor="ctr"/>
+          <a:lstStyle/>
+          <a:p>
+            <a:pPr algn="ctr"/>
+            <a:r>
+              <a:rPr lang="en-AU" dirty="0" smtClean="0"/>
+              <a:t>Prepare funding request</a:t>
+            </a:r>
+            <a:endParaRPr lang="en-AU" dirty="0"/>
+          </a:p>
+        </p:txBody>
+      </p:sp>
+      <p:sp>
+        <p:nvSpPr>
+          <p:cNvPr id="7" name="Rounded Rectangle 6"/>
+          <p:cNvSpPr/>
+          <p:nvPr/>
+        </p:nvSpPr>
+        <p:spPr>
+          <a:xfrm>
+            <a:off x="5436096" y="3355892"/>
+            <a:ext cx="2088232" cy="864096"/>
+          </a:xfrm>
+          <a:prstGeom prst="roundRect">
+            <a:avLst/>
+          </a:prstGeom>
+        </p:spPr>
+        <p:style>
+          <a:lnRef idx="1">
+            <a:schemeClr val="dk1"/>
+          </a:lnRef>
+          <a:fillRef idx="2">
+            <a:schemeClr val="dk1"/>
+          </a:fillRef>
+          <a:effectRef idx="1">
+            <a:schemeClr val="dk1"/>
+          </a:effectRef>
+          <a:fontRef idx="minor">
+            <a:schemeClr val="dk1"/>
+          </a:fontRef>
+        </p:style>
+        <p:txBody>
+          <a:bodyPr rtlCol="0" anchor="ctr"/>
+          <a:lstStyle/>
+          <a:p>
+            <a:pPr algn="ctr"/>
+            <a:r>
+              <a:rPr lang="en-AU" dirty="0" smtClean="0"/>
+              <a:t>Align Vision, Scope and Sponsor Priorities</a:t>
+            </a:r>
+            <a:endParaRPr lang="en-AU" dirty="0"/>
+          </a:p>
+        </p:txBody>
+      </p:sp>
+      <p:cxnSp>
+        <p:nvCxnSpPr>
+          <p:cNvPr id="16" name="Elbow Connector 15"/>
+          <p:cNvCxnSpPr>
+            <a:stCxn id="7" idx="2"/>
+            <a:endCxn id="4" idx="2"/>
+          </p:cNvCxnSpPr>
+          <p:nvPr/>
+        </p:nvCxnSpPr>
+        <p:spPr>
+          <a:xfrm rot="5400000">
+            <a:off x="3777139" y="1518015"/>
+            <a:ext cx="1100" cy="5405046"/>
+          </a:xfrm>
+          <a:prstGeom prst="bentConnector3">
+            <a:avLst>
+              <a:gd name="adj1" fmla="val 20881818"/>
+            </a:avLst>
+          </a:prstGeom>
+          <a:ln w="38100">
+            <a:solidFill>
+              <a:srgbClr val="FFC000"/>
+            </a:solidFill>
+            <a:tailEnd type="arrow"/>
+          </a:ln>
+        </p:spPr>
+        <p:style>
+          <a:lnRef idx="1">
+            <a:schemeClr val="accent1"/>
+          </a:lnRef>
+          <a:fillRef idx="0">
+            <a:schemeClr val="accent1"/>
+          </a:fillRef>
+          <a:effectRef idx="0">
+            <a:schemeClr val="accent1"/>
+          </a:effectRef>
+          <a:fontRef idx="minor">
+            <a:schemeClr val="tx1"/>
+          </a:fontRef>
+        </p:style>
+      </p:cxnSp>
+      <p:sp>
+        <p:nvSpPr>
+          <p:cNvPr id="24" name="Rounded Rectangle 23"/>
+          <p:cNvSpPr/>
+          <p:nvPr/>
+        </p:nvSpPr>
+        <p:spPr>
+          <a:xfrm>
+            <a:off x="7775242" y="3354792"/>
+            <a:ext cx="1261254" cy="865196"/>
+          </a:xfrm>
+          <a:prstGeom prst="roundRect">
+            <a:avLst/>
+          </a:prstGeom>
+        </p:spPr>
+        <p:style>
+          <a:lnRef idx="1">
+            <a:schemeClr val="dk1"/>
+          </a:lnRef>
+          <a:fillRef idx="2">
+            <a:schemeClr val="dk1"/>
+          </a:fillRef>
+          <a:effectRef idx="1">
+            <a:schemeClr val="dk1"/>
+          </a:effectRef>
+          <a:fontRef idx="minor">
+            <a:schemeClr val="dk1"/>
+          </a:fontRef>
+        </p:style>
+        <p:txBody>
+          <a:bodyPr rtlCol="0" anchor="ctr"/>
+          <a:lstStyle/>
+          <a:p>
+            <a:pPr algn="ctr"/>
+            <a:r>
+              <a:rPr lang="en-AU" dirty="0" smtClean="0"/>
+              <a:t>Formal Approval</a:t>
+            </a:r>
+            <a:endParaRPr lang="en-AU" dirty="0"/>
+          </a:p>
+        </p:txBody>
+      </p:sp>
+      <p:sp>
+        <p:nvSpPr>
+          <p:cNvPr id="26" name="Rounded Rectangle 25"/>
+          <p:cNvSpPr/>
+          <p:nvPr/>
+        </p:nvSpPr>
+        <p:spPr>
+          <a:xfrm>
+            <a:off x="3334623" y="1778477"/>
+            <a:ext cx="1440160" cy="864097"/>
+          </a:xfrm>
+          <a:prstGeom prst="roundRect">
+            <a:avLst/>
+          </a:prstGeom>
+        </p:spPr>
+        <p:style>
+          <a:lnRef idx="1">
+            <a:schemeClr val="dk1"/>
+          </a:lnRef>
+          <a:fillRef idx="2">
+            <a:schemeClr val="dk1"/>
+          </a:fillRef>
+          <a:effectRef idx="1">
+            <a:schemeClr val="dk1"/>
+          </a:effectRef>
+          <a:fontRef idx="minor">
+            <a:schemeClr val="dk1"/>
+          </a:fontRef>
+        </p:style>
+        <p:txBody>
+          <a:bodyPr rtlCol="0" anchor="ctr"/>
+          <a:lstStyle/>
+          <a:p>
+            <a:pPr algn="ctr"/>
+            <a:r>
+              <a:rPr lang="en-AU" dirty="0" smtClean="0"/>
+              <a:t>Form Business Case Team</a:t>
+            </a:r>
+            <a:endParaRPr lang="en-AU" dirty="0"/>
+          </a:p>
+        </p:txBody>
+      </p:sp>
+      <p:sp>
+        <p:nvSpPr>
+          <p:cNvPr id="27" name="Rounded Rectangle 26"/>
+          <p:cNvSpPr/>
+          <p:nvPr/>
+        </p:nvSpPr>
+        <p:spPr>
+          <a:xfrm>
+            <a:off x="2123728" y="3355892"/>
+            <a:ext cx="1440160" cy="865196"/>
+          </a:xfrm>
+          <a:prstGeom prst="roundRect">
+            <a:avLst/>
+          </a:prstGeom>
+        </p:spPr>
+        <p:style>
+          <a:lnRef idx="1">
+            <a:schemeClr val="dk1"/>
+          </a:lnRef>
+          <a:fillRef idx="2">
+            <a:schemeClr val="dk1"/>
+          </a:fillRef>
+          <a:effectRef idx="1">
+            <a:schemeClr val="dk1"/>
+          </a:effectRef>
+          <a:fontRef idx="minor">
+            <a:schemeClr val="dk1"/>
+          </a:fontRef>
+        </p:style>
+        <p:txBody>
+          <a:bodyPr rtlCol="0" anchor="ctr"/>
+          <a:lstStyle/>
+          <a:p>
+            <a:pPr algn="ctr"/>
+            <a:r>
+              <a:rPr lang="en-AU" dirty="0" smtClean="0"/>
+              <a:t>Estimate Various Solutions</a:t>
+            </a:r>
+            <a:endParaRPr lang="en-AU" dirty="0"/>
+          </a:p>
+        </p:txBody>
+      </p:sp>
+      <p:cxnSp>
+        <p:nvCxnSpPr>
+          <p:cNvPr id="33" name="Straight Arrow Connector 32"/>
+          <p:cNvCxnSpPr>
+            <a:stCxn id="3" idx="3"/>
+            <a:endCxn id="55" idx="1"/>
+          </p:cNvCxnSpPr>
+          <p:nvPr/>
+        </p:nvCxnSpPr>
+        <p:spPr>
+          <a:xfrm>
+            <a:off x="1475656" y="2204864"/>
+            <a:ext cx="209403" cy="5662"/>
+          </a:xfrm>
+          <a:prstGeom prst="straightConnector1">
+            <a:avLst/>
+          </a:prstGeom>
+          <a:ln w="38100">
+            <a:solidFill>
+              <a:srgbClr val="FFC000"/>
+            </a:solidFill>
+            <a:tailEnd type="arrow"/>
+          </a:ln>
+        </p:spPr>
+        <p:style>
+          <a:lnRef idx="1">
+            <a:schemeClr val="accent1"/>
+          </a:lnRef>
+          <a:fillRef idx="0">
+            <a:schemeClr val="accent1"/>
+          </a:fillRef>
+          <a:effectRef idx="0">
+            <a:schemeClr val="accent1"/>
+          </a:effectRef>
+          <a:fontRef idx="minor">
+            <a:schemeClr val="tx1"/>
+          </a:fontRef>
+        </p:style>
+      </p:cxnSp>
+      <p:cxnSp>
+        <p:nvCxnSpPr>
+          <p:cNvPr id="40" name="Elbow Connector 39"/>
+          <p:cNvCxnSpPr>
+            <a:stCxn id="26" idx="3"/>
+            <a:endCxn id="4" idx="0"/>
+          </p:cNvCxnSpPr>
+          <p:nvPr/>
+        </p:nvCxnSpPr>
+        <p:spPr>
+          <a:xfrm flipH="1">
+            <a:off x="1075166" y="2210526"/>
+            <a:ext cx="3699617" cy="1145366"/>
+          </a:xfrm>
+          <a:prstGeom prst="bentConnector4">
+            <a:avLst>
+              <a:gd name="adj1" fmla="val -6179"/>
+              <a:gd name="adj2" fmla="val 68861"/>
+            </a:avLst>
+          </a:prstGeom>
+          <a:ln w="38100">
+            <a:solidFill>
+              <a:srgbClr val="FFC000"/>
+            </a:solidFill>
+            <a:tailEnd type="arrow"/>
+          </a:ln>
+        </p:spPr>
+        <p:style>
+          <a:lnRef idx="1">
+            <a:schemeClr val="accent1"/>
+          </a:lnRef>
+          <a:fillRef idx="0">
+            <a:schemeClr val="accent1"/>
+          </a:fillRef>
+          <a:effectRef idx="0">
+            <a:schemeClr val="accent1"/>
+          </a:effectRef>
+          <a:fontRef idx="minor">
+            <a:schemeClr val="tx1"/>
+          </a:fontRef>
+        </p:style>
+      </p:cxnSp>
+      <p:cxnSp>
+        <p:nvCxnSpPr>
+          <p:cNvPr id="41" name="Straight Arrow Connector 40"/>
+          <p:cNvCxnSpPr>
+            <a:stCxn id="7" idx="3"/>
+            <a:endCxn id="24" idx="1"/>
+          </p:cNvCxnSpPr>
+          <p:nvPr/>
+        </p:nvCxnSpPr>
+        <p:spPr>
+          <a:xfrm flipV="1">
+            <a:off x="7524328" y="3787390"/>
+            <a:ext cx="250914" cy="550"/>
+          </a:xfrm>
+          <a:prstGeom prst="straightConnector1">
+            <a:avLst/>
+          </a:prstGeom>
+          <a:ln w="38100">
+            <a:solidFill>
+              <a:srgbClr val="FFC000"/>
+            </a:solidFill>
+            <a:tailEnd type="arrow"/>
+          </a:ln>
+        </p:spPr>
+        <p:style>
+          <a:lnRef idx="1">
+            <a:schemeClr val="accent1"/>
+          </a:lnRef>
+          <a:fillRef idx="0">
+            <a:schemeClr val="accent1"/>
+          </a:fillRef>
+          <a:effectRef idx="0">
+            <a:schemeClr val="accent1"/>
+          </a:effectRef>
+          <a:fontRef idx="minor">
+            <a:schemeClr val="tx1"/>
+          </a:fontRef>
+        </p:style>
+      </p:cxnSp>
+      <p:cxnSp>
+        <p:nvCxnSpPr>
+          <p:cNvPr id="44" name="Straight Arrow Connector 43"/>
+          <p:cNvCxnSpPr>
+            <a:stCxn id="4" idx="3"/>
+            <a:endCxn id="27" idx="1"/>
+          </p:cNvCxnSpPr>
+          <p:nvPr/>
+        </p:nvCxnSpPr>
+        <p:spPr>
+          <a:xfrm>
+            <a:off x="1920703" y="3788490"/>
+            <a:ext cx="203025" cy="0"/>
+          </a:xfrm>
+          <a:prstGeom prst="straightConnector1">
+            <a:avLst/>
+          </a:prstGeom>
+          <a:ln w="38100">
+            <a:solidFill>
+              <a:srgbClr val="FFC000"/>
+            </a:solidFill>
+            <a:tailEnd type="arrow"/>
+          </a:ln>
+        </p:spPr>
+        <p:style>
+          <a:lnRef idx="1">
+            <a:schemeClr val="accent1"/>
+          </a:lnRef>
+          <a:fillRef idx="0">
+            <a:schemeClr val="accent1"/>
+          </a:fillRef>
+          <a:effectRef idx="0">
+            <a:schemeClr val="accent1"/>
+          </a:effectRef>
+          <a:fontRef idx="minor">
+            <a:schemeClr val="tx1"/>
+          </a:fontRef>
+        </p:style>
+      </p:cxnSp>
+      <p:cxnSp>
+        <p:nvCxnSpPr>
+          <p:cNvPr id="47" name="Straight Arrow Connector 46"/>
+          <p:cNvCxnSpPr>
+            <a:stCxn id="27" idx="3"/>
+            <a:endCxn id="6" idx="1"/>
+          </p:cNvCxnSpPr>
+          <p:nvPr/>
+        </p:nvCxnSpPr>
+        <p:spPr>
+          <a:xfrm>
+            <a:off x="3563888" y="3788490"/>
+            <a:ext cx="216024" cy="0"/>
+          </a:xfrm>
+          <a:prstGeom prst="straightConnector1">
+            <a:avLst/>
+          </a:prstGeom>
+          <a:ln w="38100">
+            <a:solidFill>
+              <a:srgbClr val="FFC000"/>
+            </a:solidFill>
+            <a:tailEnd type="arrow"/>
+          </a:ln>
+        </p:spPr>
+        <p:style>
+          <a:lnRef idx="1">
+            <a:schemeClr val="accent1"/>
+          </a:lnRef>
+          <a:fillRef idx="0">
+            <a:schemeClr val="accent1"/>
+          </a:fillRef>
+          <a:effectRef idx="0">
+            <a:schemeClr val="accent1"/>
+          </a:effectRef>
+          <a:fontRef idx="minor">
+            <a:schemeClr val="tx1"/>
+          </a:fontRef>
+        </p:style>
+      </p:cxnSp>
+      <p:cxnSp>
+        <p:nvCxnSpPr>
+          <p:cNvPr id="50" name="Straight Arrow Connector 49"/>
+          <p:cNvCxnSpPr>
+            <a:stCxn id="6" idx="3"/>
+            <a:endCxn id="7" idx="1"/>
+          </p:cNvCxnSpPr>
+          <p:nvPr/>
+        </p:nvCxnSpPr>
+        <p:spPr>
+          <a:xfrm flipV="1">
+            <a:off x="5220072" y="3787940"/>
+            <a:ext cx="216024" cy="550"/>
+          </a:xfrm>
+          <a:prstGeom prst="straightConnector1">
+            <a:avLst/>
+          </a:prstGeom>
+          <a:ln w="38100">
+            <a:solidFill>
+              <a:srgbClr val="FFC000"/>
+            </a:solidFill>
+            <a:tailEnd type="arrow"/>
+          </a:ln>
+        </p:spPr>
+        <p:style>
+          <a:lnRef idx="1">
+            <a:schemeClr val="accent1"/>
+          </a:lnRef>
+          <a:fillRef idx="0">
+            <a:schemeClr val="accent1"/>
+          </a:fillRef>
+          <a:effectRef idx="0">
+            <a:schemeClr val="accent1"/>
+          </a:effectRef>
+          <a:fontRef idx="minor">
+            <a:schemeClr val="tx1"/>
+          </a:fontRef>
+        </p:style>
+      </p:cxnSp>
+      <p:sp>
+        <p:nvSpPr>
+          <p:cNvPr id="55" name="Rounded Rectangle 54"/>
+          <p:cNvSpPr/>
+          <p:nvPr/>
+        </p:nvSpPr>
+        <p:spPr>
+          <a:xfrm>
+            <a:off x="1685059" y="1778477"/>
+            <a:ext cx="1440160" cy="864097"/>
+          </a:xfrm>
+          <a:prstGeom prst="roundRect">
+            <a:avLst/>
+          </a:prstGeom>
+        </p:spPr>
+        <p:style>
+          <a:lnRef idx="1">
+            <a:schemeClr val="dk1"/>
+          </a:lnRef>
+          <a:fillRef idx="2">
+            <a:schemeClr val="dk1"/>
+          </a:fillRef>
+          <a:effectRef idx="1">
+            <a:schemeClr val="dk1"/>
+          </a:effectRef>
+          <a:fontRef idx="minor">
+            <a:schemeClr val="dk1"/>
+          </a:fontRef>
+        </p:style>
+        <p:txBody>
+          <a:bodyPr rtlCol="0" anchor="ctr"/>
+          <a:lstStyle/>
+          <a:p>
+            <a:pPr algn="ctr"/>
+            <a:r>
+              <a:rPr lang="en-AU" dirty="0" smtClean="0"/>
+              <a:t>Determine</a:t>
+            </a:r>
+          </a:p>
+          <a:p>
+            <a:pPr algn="ctr"/>
+            <a:r>
+              <a:rPr lang="en-AU" dirty="0" smtClean="0"/>
+              <a:t>Project code name</a:t>
+            </a:r>
+            <a:endParaRPr lang="en-AU" dirty="0"/>
+          </a:p>
+        </p:txBody>
+      </p:sp>
+      <p:cxnSp>
+        <p:nvCxnSpPr>
+          <p:cNvPr id="58" name="Straight Arrow Connector 57"/>
+          <p:cNvCxnSpPr>
+            <a:stCxn id="55" idx="3"/>
+            <a:endCxn id="26" idx="1"/>
+          </p:cNvCxnSpPr>
+          <p:nvPr/>
+        </p:nvCxnSpPr>
+        <p:spPr>
+          <a:xfrm>
+            <a:off x="3125219" y="2210526"/>
+            <a:ext cx="209404" cy="0"/>
+          </a:xfrm>
+          <a:prstGeom prst="straightConnector1">
+            <a:avLst/>
+          </a:prstGeom>
+          <a:ln w="38100">
+            <a:solidFill>
+              <a:srgbClr val="FFC000"/>
+            </a:solidFill>
+            <a:tailEnd type="arrow"/>
+          </a:ln>
+        </p:spPr>
+        <p:style>
+          <a:lnRef idx="1">
+            <a:schemeClr val="accent1"/>
+          </a:lnRef>
+          <a:fillRef idx="0">
+            <a:schemeClr val="accent1"/>
+          </a:fillRef>
+          <a:effectRef idx="0">
+            <a:schemeClr val="accent1"/>
+          </a:effectRef>
+          <a:fontRef idx="minor">
+            <a:schemeClr val="tx1"/>
+          </a:fontRef>
+        </p:style>
+      </p:cxnSp>
+    </p:spTree>
+    <p:extLst>
+      <p:ext uri="{BB962C8B-B14F-4D97-AF65-F5344CB8AC3E}">
+        <p14:creationId xmlns:p14="http://schemas.microsoft.com/office/powerpoint/2010/main" val="2350812330"/>
+      </p:ext>
+    </p:extLst>
+  </p:cSld>
+  <p:clrMapOvr>
+    <a:masterClrMapping/>
+  </p:clrMapOvr>
+</p:sld>
+</file>
+
+<file path=ppt/slides/slide3.xml><?xml version="1.0" encoding="utf-8"?>
+<p:sld xmlns:a="http://schemas.openxmlformats.org/drawingml/2006/main" xmlns:r="http://schemas.openxmlformats.org/officeDocument/2006/relationships" xmlns:p="http://schemas.openxmlformats.org/presentationml/2006/main">
+  <p:cSld>
+    <p:bg>
+      <p:bgPr>
+        <a:solidFill>
+          <a:schemeClr val="tx1">
+            <a:lumMod val="50000"/>
+            <a:lumOff val="50000"/>
+          </a:schemeClr>
+        </a:solidFill>
+        <a:effectLst/>
+      </p:bgPr>
+    </p:bg>
+    <p:spTree>
+      <p:nvGrpSpPr>
+        <p:cNvPr id="1" name=""/>
+        <p:cNvGrpSpPr/>
+        <p:nvPr/>
+      </p:nvGrpSpPr>
+      <p:grpSpPr>
+        <a:xfrm>
+          <a:off x="0" y="0"/>
+          <a:ext cx="0" cy="0"/>
+          <a:chOff x="0" y="0"/>
+          <a:chExt cx="0" cy="0"/>
+        </a:xfrm>
+      </p:grpSpPr>
+      <p:sp>
+        <p:nvSpPr>
+          <p:cNvPr id="2" name="TextBox 1"/>
+          <p:cNvSpPr txBox="1"/>
+          <p:nvPr/>
+        </p:nvSpPr>
+        <p:spPr>
+          <a:xfrm>
+            <a:off x="0" y="46591"/>
+            <a:ext cx="1451359" cy="369332"/>
+          </a:xfrm>
+          <a:prstGeom prst="rect">
+            <a:avLst/>
+          </a:prstGeom>
+          <a:noFill/>
+        </p:spPr>
+        <p:txBody>
+          <a:bodyPr wrap="none" rtlCol="0">
+            <a:spAutoFit/>
+          </a:bodyPr>
+          <a:lstStyle/>
+          <a:p>
+            <a:r>
+              <a:rPr lang="en-AU" dirty="0" smtClean="0"/>
+              <a:t>ITIL Overview</a:t>
+            </a:r>
+            <a:endParaRPr lang="en-AU" dirty="0"/>
+          </a:p>
+        </p:txBody>
+      </p:sp>
+      <p:sp>
+        <p:nvSpPr>
+          <p:cNvPr id="25" name="Rounded Rectangle 24"/>
+          <p:cNvSpPr/>
+          <p:nvPr/>
+        </p:nvSpPr>
+        <p:spPr>
+          <a:xfrm>
+            <a:off x="2032749" y="4923102"/>
+            <a:ext cx="4977468" cy="648072"/>
+          </a:xfrm>
+          <a:prstGeom prst="roundRect">
+            <a:avLst/>
+          </a:prstGeom>
+        </p:spPr>
+        <p:style>
+          <a:lnRef idx="1">
+            <a:schemeClr val="dk1"/>
+          </a:lnRef>
+          <a:fillRef idx="2">
+            <a:schemeClr val="dk1"/>
+          </a:fillRef>
+          <a:effectRef idx="1">
+            <a:schemeClr val="dk1"/>
+          </a:effectRef>
+          <a:fontRef idx="minor">
+            <a:schemeClr val="dk1"/>
+          </a:fontRef>
+        </p:style>
+        <p:txBody>
+          <a:bodyPr rtlCol="0" anchor="ctr"/>
+          <a:lstStyle/>
+          <a:p>
+            <a:pPr algn="ctr"/>
+            <a:r>
+              <a:rPr lang="en-AU" dirty="0" smtClean="0"/>
+              <a:t>Application Lifecycle Management (</a:t>
+            </a:r>
+            <a:r>
+              <a:rPr lang="en-AU" dirty="0" smtClean="0"/>
+              <a:t>ALM)</a:t>
+            </a:r>
+            <a:endParaRPr lang="en-AU" dirty="0"/>
+          </a:p>
+        </p:txBody>
+      </p:sp>
+      <p:sp>
+        <p:nvSpPr>
+          <p:cNvPr id="27" name="Rounded Rectangle 26"/>
+          <p:cNvSpPr/>
+          <p:nvPr/>
+        </p:nvSpPr>
+        <p:spPr>
+          <a:xfrm rot="16200000">
+            <a:off x="16525" y="3666475"/>
+            <a:ext cx="3096344" cy="648072"/>
+          </a:xfrm>
+          <a:prstGeom prst="roundRect">
+            <a:avLst/>
+          </a:prstGeom>
+        </p:spPr>
+        <p:style>
+          <a:lnRef idx="1">
+            <a:schemeClr val="dk1"/>
+          </a:lnRef>
+          <a:fillRef idx="2">
+            <a:schemeClr val="dk1"/>
+          </a:fillRef>
+          <a:effectRef idx="1">
+            <a:schemeClr val="dk1"/>
+          </a:effectRef>
+          <a:fontRef idx="minor">
+            <a:schemeClr val="dk1"/>
+          </a:fontRef>
+        </p:style>
+        <p:txBody>
+          <a:bodyPr rtlCol="0" anchor="ctr"/>
+          <a:lstStyle/>
+          <a:p>
+            <a:pPr algn="ctr"/>
+            <a:r>
+              <a:rPr lang="en-AU" dirty="0" smtClean="0"/>
+              <a:t>Business</a:t>
+            </a:r>
+            <a:endParaRPr lang="en-AU" dirty="0"/>
+          </a:p>
+        </p:txBody>
+      </p:sp>
+      <p:sp>
+        <p:nvSpPr>
+          <p:cNvPr id="35" name="Rounded Rectangle 34"/>
+          <p:cNvSpPr/>
+          <p:nvPr/>
+        </p:nvSpPr>
+        <p:spPr>
+          <a:xfrm>
+            <a:off x="1260945" y="1632412"/>
+            <a:ext cx="6460436" cy="648072"/>
+          </a:xfrm>
+          <a:prstGeom prst="roundRect">
+            <a:avLst/>
+          </a:prstGeom>
+        </p:spPr>
+        <p:style>
+          <a:lnRef idx="1">
+            <a:schemeClr val="dk1"/>
+          </a:lnRef>
+          <a:fillRef idx="2">
+            <a:schemeClr val="dk1"/>
+          </a:fillRef>
+          <a:effectRef idx="1">
+            <a:schemeClr val="dk1"/>
+          </a:effectRef>
+          <a:fontRef idx="minor">
+            <a:schemeClr val="dk1"/>
+          </a:fontRef>
+        </p:style>
+        <p:txBody>
+          <a:bodyPr rtlCol="0" anchor="ctr"/>
+          <a:lstStyle/>
+          <a:p>
+            <a:pPr algn="ctr"/>
+            <a:r>
+              <a:rPr lang="en-AU" dirty="0" smtClean="0"/>
+              <a:t>Service Management</a:t>
+            </a:r>
+            <a:endParaRPr lang="en-AU" dirty="0"/>
+          </a:p>
+        </p:txBody>
+      </p:sp>
+      <p:sp>
+        <p:nvSpPr>
+          <p:cNvPr id="9" name="Rounded Rectangle 8"/>
+          <p:cNvSpPr/>
+          <p:nvPr/>
+        </p:nvSpPr>
+        <p:spPr>
+          <a:xfrm rot="16200000">
+            <a:off x="5904935" y="3682720"/>
+            <a:ext cx="3128836" cy="648072"/>
+          </a:xfrm>
+          <a:prstGeom prst="roundRect">
+            <a:avLst/>
+          </a:prstGeom>
+        </p:spPr>
+        <p:style>
+          <a:lnRef idx="1">
+            <a:schemeClr val="dk1"/>
+          </a:lnRef>
+          <a:fillRef idx="2">
+            <a:schemeClr val="dk1"/>
+          </a:fillRef>
+          <a:effectRef idx="1">
+            <a:schemeClr val="dk1"/>
+          </a:effectRef>
+          <a:fontRef idx="minor">
+            <a:schemeClr val="dk1"/>
+          </a:fontRef>
+        </p:style>
+        <p:txBody>
+          <a:bodyPr rtlCol="0" anchor="ctr"/>
+          <a:lstStyle/>
+          <a:p>
+            <a:pPr algn="ctr"/>
+            <a:r>
+              <a:rPr lang="en-AU" dirty="0" smtClean="0"/>
+              <a:t>Technology</a:t>
+            </a:r>
+            <a:endParaRPr lang="en-AU" dirty="0"/>
+          </a:p>
+        </p:txBody>
+      </p:sp>
+      <p:sp>
+        <p:nvSpPr>
+          <p:cNvPr id="11" name="Flowchart: Manual Input 10"/>
+          <p:cNvSpPr/>
+          <p:nvPr/>
+        </p:nvSpPr>
+        <p:spPr>
+          <a:xfrm rot="10800000" flipH="1">
+            <a:off x="2839304" y="2636491"/>
+            <a:ext cx="3326834" cy="1072893"/>
+          </a:xfrm>
+          <a:prstGeom prst="flowChartManualInput">
+            <a:avLst/>
+          </a:prstGeom>
+        </p:spPr>
+        <p:style>
+          <a:lnRef idx="1">
+            <a:schemeClr val="dk1"/>
+          </a:lnRef>
+          <a:fillRef idx="2">
+            <a:schemeClr val="dk1"/>
+          </a:fillRef>
+          <a:effectRef idx="1">
+            <a:schemeClr val="dk1"/>
+          </a:effectRef>
+          <a:fontRef idx="minor">
+            <a:schemeClr val="dk1"/>
+          </a:fontRef>
+        </p:style>
+        <p:txBody>
+          <a:bodyPr rtlCol="0" anchor="ctr"/>
+          <a:lstStyle/>
+          <a:p>
+            <a:pPr algn="ctr"/>
+            <a:endParaRPr lang="en-AU" dirty="0">
+              <a:solidFill>
+                <a:schemeClr val="dk1"/>
+              </a:solidFill>
+            </a:endParaRPr>
+          </a:p>
+        </p:txBody>
+      </p:sp>
+      <p:sp>
+        <p:nvSpPr>
+          <p:cNvPr id="12" name="Flowchart: Manual Input 11"/>
+          <p:cNvSpPr/>
+          <p:nvPr/>
+        </p:nvSpPr>
+        <p:spPr>
+          <a:xfrm flipH="1">
+            <a:off x="2824837" y="3601373"/>
+            <a:ext cx="3326834" cy="1044116"/>
+          </a:xfrm>
+          <a:prstGeom prst="flowChartManualInput">
+            <a:avLst/>
+          </a:prstGeom>
+        </p:spPr>
+        <p:style>
+          <a:lnRef idx="1">
+            <a:schemeClr val="dk1"/>
+          </a:lnRef>
+          <a:fillRef idx="2">
+            <a:schemeClr val="dk1"/>
+          </a:fillRef>
+          <a:effectRef idx="1">
+            <a:schemeClr val="dk1"/>
+          </a:effectRef>
+          <a:fontRef idx="minor">
+            <a:schemeClr val="dk1"/>
+          </a:fontRef>
+        </p:style>
+        <p:txBody>
+          <a:bodyPr rtlCol="0" anchor="ctr"/>
+          <a:lstStyle/>
+          <a:p>
+            <a:pPr algn="ctr"/>
+            <a:endParaRPr lang="en-AU" dirty="0">
+              <a:solidFill>
+                <a:schemeClr val="dk1"/>
+              </a:solidFill>
+            </a:endParaRPr>
+          </a:p>
+        </p:txBody>
+      </p:sp>
+      <p:sp>
+        <p:nvSpPr>
+          <p:cNvPr id="4" name="Rectangle 3"/>
+          <p:cNvSpPr/>
+          <p:nvPr/>
+        </p:nvSpPr>
+        <p:spPr>
+          <a:xfrm>
+            <a:off x="3649210" y="3962283"/>
+            <a:ext cx="1678087" cy="369332"/>
+          </a:xfrm>
+          <a:prstGeom prst="rect">
+            <a:avLst/>
+          </a:prstGeom>
+        </p:spPr>
+        <p:txBody>
+          <a:bodyPr wrap="none">
+            <a:spAutoFit/>
+          </a:bodyPr>
+          <a:lstStyle/>
+          <a:p>
+            <a:pPr algn="ctr"/>
+            <a:r>
+              <a:rPr lang="en-AU" dirty="0">
+                <a:solidFill>
+                  <a:prstClr val="black"/>
+                </a:solidFill>
+              </a:rPr>
+              <a:t>Service </a:t>
+            </a:r>
+            <a:r>
+              <a:rPr lang="en-AU" dirty="0" smtClean="0">
+                <a:solidFill>
+                  <a:prstClr val="black"/>
+                </a:solidFill>
+              </a:rPr>
+              <a:t>Delivery</a:t>
+            </a:r>
+            <a:endParaRPr lang="en-AU" dirty="0">
+              <a:solidFill>
+                <a:schemeClr val="dk1"/>
+              </a:solidFill>
+            </a:endParaRPr>
+          </a:p>
+        </p:txBody>
+      </p:sp>
+      <p:sp>
+        <p:nvSpPr>
+          <p:cNvPr id="15" name="Rectangle 14"/>
+          <p:cNvSpPr/>
+          <p:nvPr/>
+        </p:nvSpPr>
+        <p:spPr>
+          <a:xfrm>
+            <a:off x="3657482" y="2988271"/>
+            <a:ext cx="1661545" cy="369332"/>
+          </a:xfrm>
+          <a:prstGeom prst="rect">
+            <a:avLst/>
+          </a:prstGeom>
+        </p:spPr>
+        <p:txBody>
+          <a:bodyPr wrap="none">
+            <a:spAutoFit/>
+          </a:bodyPr>
+          <a:lstStyle/>
+          <a:p>
+            <a:pPr algn="ctr"/>
+            <a:r>
+              <a:rPr lang="en-AU" dirty="0">
+                <a:solidFill>
+                  <a:prstClr val="black"/>
+                </a:solidFill>
+              </a:rPr>
+              <a:t>Service </a:t>
+            </a:r>
+            <a:r>
+              <a:rPr lang="en-AU" dirty="0" smtClean="0">
+                <a:solidFill>
+                  <a:prstClr val="black"/>
+                </a:solidFill>
+              </a:rPr>
+              <a:t>Support</a:t>
+            </a:r>
+            <a:endParaRPr lang="en-AU" dirty="0">
+              <a:solidFill>
+                <a:schemeClr val="dk1"/>
+              </a:solidFill>
+            </a:endParaRPr>
+          </a:p>
+        </p:txBody>
+      </p:sp>
+      <p:sp>
+        <p:nvSpPr>
+          <p:cNvPr id="16" name="Rounded Rectangle 15"/>
+          <p:cNvSpPr/>
+          <p:nvPr/>
+        </p:nvSpPr>
+        <p:spPr>
+          <a:xfrm rot="16200000">
+            <a:off x="5513040" y="3291886"/>
+            <a:ext cx="2347168" cy="648072"/>
+          </a:xfrm>
+          <a:prstGeom prst="roundRect">
+            <a:avLst/>
+          </a:prstGeom>
+        </p:spPr>
+        <p:style>
+          <a:lnRef idx="1">
+            <a:schemeClr val="dk1"/>
+          </a:lnRef>
+          <a:fillRef idx="2">
+            <a:schemeClr val="dk1"/>
+          </a:fillRef>
+          <a:effectRef idx="1">
+            <a:schemeClr val="dk1"/>
+          </a:effectRef>
+          <a:fontRef idx="minor">
+            <a:schemeClr val="dk1"/>
+          </a:fontRef>
+        </p:style>
+        <p:txBody>
+          <a:bodyPr rtlCol="0" anchor="ctr"/>
+          <a:lstStyle/>
+          <a:p>
+            <a:pPr algn="ctr"/>
+            <a:r>
+              <a:rPr lang="en-AU" dirty="0" smtClean="0"/>
+              <a:t>Infrastructure Management</a:t>
+            </a:r>
+            <a:endParaRPr lang="en-AU" dirty="0"/>
+          </a:p>
+        </p:txBody>
+      </p:sp>
+      <p:sp>
+        <p:nvSpPr>
+          <p:cNvPr id="17" name="Rounded Rectangle 16"/>
+          <p:cNvSpPr/>
+          <p:nvPr/>
+        </p:nvSpPr>
+        <p:spPr>
+          <a:xfrm>
+            <a:off x="4966816" y="4444828"/>
+            <a:ext cx="1719808" cy="648072"/>
+          </a:xfrm>
+          <a:prstGeom prst="roundRect">
+            <a:avLst/>
+          </a:prstGeom>
+        </p:spPr>
+        <p:style>
+          <a:lnRef idx="1">
+            <a:schemeClr val="dk1"/>
+          </a:lnRef>
+          <a:fillRef idx="2">
+            <a:schemeClr val="dk1"/>
+          </a:fillRef>
+          <a:effectRef idx="1">
+            <a:schemeClr val="dk1"/>
+          </a:effectRef>
+          <a:fontRef idx="minor">
+            <a:schemeClr val="dk1"/>
+          </a:fontRef>
+        </p:style>
+        <p:txBody>
+          <a:bodyPr rtlCol="0" anchor="ctr"/>
+          <a:lstStyle/>
+          <a:p>
+            <a:pPr algn="ctr"/>
+            <a:r>
+              <a:rPr lang="en-AU" dirty="0" smtClean="0"/>
+              <a:t>Security</a:t>
+            </a:r>
+          </a:p>
+          <a:p>
+            <a:pPr algn="ctr"/>
+            <a:r>
+              <a:rPr lang="en-AU" dirty="0" smtClean="0"/>
+              <a:t>Management</a:t>
+            </a:r>
+            <a:endParaRPr lang="en-AU" dirty="0"/>
+          </a:p>
+        </p:txBody>
+      </p:sp>
+      <p:sp>
+        <p:nvSpPr>
+          <p:cNvPr id="18" name="Rounded Rectangle 17"/>
+          <p:cNvSpPr/>
+          <p:nvPr/>
+        </p:nvSpPr>
+        <p:spPr>
+          <a:xfrm rot="16200000">
+            <a:off x="1183201" y="3291885"/>
+            <a:ext cx="2347168" cy="648072"/>
+          </a:xfrm>
+          <a:prstGeom prst="roundRect">
+            <a:avLst/>
+          </a:prstGeom>
+        </p:spPr>
+        <p:style>
+          <a:lnRef idx="1">
+            <a:schemeClr val="dk1"/>
+          </a:lnRef>
+          <a:fillRef idx="2">
+            <a:schemeClr val="dk1"/>
+          </a:fillRef>
+          <a:effectRef idx="1">
+            <a:schemeClr val="dk1"/>
+          </a:effectRef>
+          <a:fontRef idx="minor">
+            <a:schemeClr val="dk1"/>
+          </a:fontRef>
+        </p:style>
+        <p:txBody>
+          <a:bodyPr rtlCol="0" anchor="ctr"/>
+          <a:lstStyle/>
+          <a:p>
+            <a:pPr algn="ctr"/>
+            <a:r>
+              <a:rPr lang="en-AU" dirty="0" smtClean="0"/>
+              <a:t>Business Perspective</a:t>
+            </a:r>
+            <a:endParaRPr lang="en-AU" dirty="0"/>
+          </a:p>
+        </p:txBody>
+      </p:sp>
+    </p:spTree>
+    <p:extLst>
+      <p:ext uri="{BB962C8B-B14F-4D97-AF65-F5344CB8AC3E}">
+        <p14:creationId xmlns:p14="http://schemas.microsoft.com/office/powerpoint/2010/main" val="3384858922"/>
+      </p:ext>
+    </p:extLst>
+  </p:cSld>
+  <p:clrMapOvr>
+    <a:masterClrMapping/>
+  </p:clrMapOvr>
+</p:sld>
+</file>
+
+<file path=ppt/slides/slide4.xml><?xml version="1.0" encoding="utf-8"?>
+<p:sld xmlns:a="http://schemas.openxmlformats.org/drawingml/2006/main" xmlns:r="http://schemas.openxmlformats.org/officeDocument/2006/relationships" xmlns:p="http://schemas.openxmlformats.org/presentationml/2006/main">
+  <p:cSld>
+    <p:bg>
+      <p:bgPr>
+        <a:solidFill>
+          <a:schemeClr val="tx1">
+            <a:lumMod val="50000"/>
+            <a:lumOff val="50000"/>
+          </a:schemeClr>
+        </a:solidFill>
+        <a:effectLst/>
+      </p:bgPr>
+    </p:bg>
+    <p:spTree>
+      <p:nvGrpSpPr>
+        <p:cNvPr id="1" name=""/>
+        <p:cNvGrpSpPr/>
+        <p:nvPr/>
+      </p:nvGrpSpPr>
+      <p:grpSpPr>
+        <a:xfrm>
+          <a:off x="0" y="0"/>
+          <a:ext cx="0" cy="0"/>
+          <a:chOff x="0" y="0"/>
+          <a:chExt cx="0" cy="0"/>
+        </a:xfrm>
+      </p:grpSpPr>
+      <p:sp>
+        <p:nvSpPr>
+          <p:cNvPr id="4" name="Rounded Rectangle 3"/>
+          <p:cNvSpPr/>
+          <p:nvPr/>
+        </p:nvSpPr>
+        <p:spPr>
+          <a:xfrm>
+            <a:off x="3347864" y="692696"/>
+            <a:ext cx="1656184" cy="648072"/>
+          </a:xfrm>
+          <a:prstGeom prst="roundRect">
+            <a:avLst/>
+          </a:prstGeom>
+        </p:spPr>
+        <p:style>
+          <a:lnRef idx="1">
+            <a:schemeClr val="dk1"/>
+          </a:lnRef>
+          <a:fillRef idx="2">
+            <a:schemeClr val="dk1"/>
+          </a:fillRef>
+          <a:effectRef idx="1">
+            <a:schemeClr val="dk1"/>
+          </a:effectRef>
+          <a:fontRef idx="minor">
+            <a:schemeClr val="dk1"/>
+          </a:fontRef>
+        </p:style>
+        <p:txBody>
+          <a:bodyPr rtlCol="0" anchor="ctr"/>
+          <a:lstStyle/>
+          <a:p>
+            <a:pPr algn="ctr"/>
+            <a:r>
+              <a:rPr lang="en-AU" dirty="0" smtClean="0"/>
+              <a:t>Create Business Case</a:t>
+            </a:r>
+            <a:endParaRPr lang="en-AU" dirty="0"/>
+          </a:p>
+        </p:txBody>
+      </p:sp>
+      <p:sp>
+        <p:nvSpPr>
+          <p:cNvPr id="5" name="Rounded Rectangle 4"/>
+          <p:cNvSpPr/>
+          <p:nvPr/>
+        </p:nvSpPr>
+        <p:spPr>
+          <a:xfrm>
+            <a:off x="3203848" y="1844824"/>
+            <a:ext cx="1944216" cy="792088"/>
+          </a:xfrm>
+          <a:prstGeom prst="roundRect">
+            <a:avLst/>
+          </a:prstGeom>
+        </p:spPr>
+        <p:style>
+          <a:lnRef idx="1">
+            <a:schemeClr val="dk1"/>
+          </a:lnRef>
+          <a:fillRef idx="2">
+            <a:schemeClr val="dk1"/>
+          </a:fillRef>
+          <a:effectRef idx="1">
+            <a:schemeClr val="dk1"/>
+          </a:effectRef>
+          <a:fontRef idx="minor">
+            <a:schemeClr val="dk1"/>
+          </a:fontRef>
+        </p:style>
+        <p:txBody>
+          <a:bodyPr rtlCol="0" anchor="ctr"/>
+          <a:lstStyle/>
+          <a:p>
+            <a:pPr algn="ctr"/>
+            <a:r>
+              <a:rPr lang="en-AU" dirty="0" smtClean="0"/>
+              <a:t>Requirements Gathering</a:t>
+            </a:r>
+            <a:endParaRPr lang="en-AU" dirty="0"/>
+          </a:p>
+        </p:txBody>
+      </p:sp>
+      <p:sp>
+        <p:nvSpPr>
+          <p:cNvPr id="8" name="Rounded Rectangle 7"/>
+          <p:cNvSpPr/>
+          <p:nvPr/>
+        </p:nvSpPr>
+        <p:spPr>
+          <a:xfrm>
+            <a:off x="7164288" y="3849424"/>
+            <a:ext cx="1656184" cy="654553"/>
+          </a:xfrm>
+          <a:prstGeom prst="roundRect">
+            <a:avLst/>
+          </a:prstGeom>
+        </p:spPr>
+        <p:style>
+          <a:lnRef idx="1">
+            <a:schemeClr val="dk1"/>
+          </a:lnRef>
+          <a:fillRef idx="2">
+            <a:schemeClr val="dk1"/>
+          </a:fillRef>
+          <a:effectRef idx="1">
+            <a:schemeClr val="dk1"/>
+          </a:effectRef>
+          <a:fontRef idx="minor">
+            <a:schemeClr val="dk1"/>
+          </a:fontRef>
+        </p:style>
+        <p:txBody>
+          <a:bodyPr rtlCol="0" anchor="ctr"/>
+          <a:lstStyle/>
+          <a:p>
+            <a:pPr algn="ctr"/>
+            <a:r>
+              <a:rPr lang="en-AU" dirty="0" smtClean="0"/>
+              <a:t>Procurement</a:t>
+            </a:r>
+            <a:endParaRPr lang="en-AU" dirty="0"/>
+          </a:p>
+        </p:txBody>
+      </p:sp>
+      <p:sp>
+        <p:nvSpPr>
+          <p:cNvPr id="9" name="Rounded Rectangle 8"/>
+          <p:cNvSpPr/>
+          <p:nvPr/>
+        </p:nvSpPr>
+        <p:spPr>
+          <a:xfrm>
+            <a:off x="5148064" y="3852664"/>
+            <a:ext cx="1656184" cy="648072"/>
+          </a:xfrm>
+          <a:prstGeom prst="roundRect">
+            <a:avLst/>
+          </a:prstGeom>
+        </p:spPr>
+        <p:style>
+          <a:lnRef idx="1">
+            <a:schemeClr val="dk1"/>
+          </a:lnRef>
+          <a:fillRef idx="2">
+            <a:schemeClr val="dk1"/>
+          </a:fillRef>
+          <a:effectRef idx="1">
+            <a:schemeClr val="dk1"/>
+          </a:effectRef>
+          <a:fontRef idx="minor">
+            <a:schemeClr val="dk1"/>
+          </a:fontRef>
+        </p:style>
+        <p:txBody>
+          <a:bodyPr rtlCol="0" anchor="ctr"/>
+          <a:lstStyle/>
+          <a:p>
+            <a:pPr algn="ctr"/>
+            <a:r>
+              <a:rPr lang="en-AU" dirty="0" smtClean="0"/>
+              <a:t>Build</a:t>
+            </a:r>
+            <a:endParaRPr lang="en-AU" dirty="0"/>
+          </a:p>
+        </p:txBody>
+      </p:sp>
+      <p:sp>
+        <p:nvSpPr>
+          <p:cNvPr id="10" name="Rounded Rectangle 9"/>
+          <p:cNvSpPr/>
+          <p:nvPr/>
+        </p:nvSpPr>
+        <p:spPr>
+          <a:xfrm>
+            <a:off x="3347864" y="4653136"/>
+            <a:ext cx="1656184" cy="648072"/>
+          </a:xfrm>
+          <a:prstGeom prst="roundRect">
+            <a:avLst/>
+          </a:prstGeom>
+        </p:spPr>
+        <p:style>
+          <a:lnRef idx="1">
+            <a:schemeClr val="dk1"/>
+          </a:lnRef>
+          <a:fillRef idx="2">
+            <a:schemeClr val="dk1"/>
+          </a:fillRef>
+          <a:effectRef idx="1">
+            <a:schemeClr val="dk1"/>
+          </a:effectRef>
+          <a:fontRef idx="minor">
+            <a:schemeClr val="dk1"/>
+          </a:fontRef>
+        </p:style>
+        <p:txBody>
+          <a:bodyPr rtlCol="0" anchor="ctr"/>
+          <a:lstStyle/>
+          <a:p>
+            <a:pPr algn="ctr"/>
+            <a:r>
+              <a:rPr lang="en-AU" dirty="0" smtClean="0"/>
+              <a:t>Deployment</a:t>
+            </a:r>
+            <a:endParaRPr lang="en-AU" dirty="0"/>
+          </a:p>
+        </p:txBody>
+      </p:sp>
+      <p:sp>
+        <p:nvSpPr>
+          <p:cNvPr id="13" name="Rounded Rectangle 12"/>
+          <p:cNvSpPr/>
+          <p:nvPr/>
+        </p:nvSpPr>
+        <p:spPr>
+          <a:xfrm>
+            <a:off x="1279075" y="692696"/>
+            <a:ext cx="1691074" cy="648072"/>
+          </a:xfrm>
+          <a:prstGeom prst="roundRect">
+            <a:avLst/>
+          </a:prstGeom>
+        </p:spPr>
+        <p:style>
+          <a:lnRef idx="1">
+            <a:schemeClr val="dk1"/>
+          </a:lnRef>
+          <a:fillRef idx="2">
+            <a:schemeClr val="dk1"/>
+          </a:fillRef>
+          <a:effectRef idx="1">
+            <a:schemeClr val="dk1"/>
+          </a:effectRef>
+          <a:fontRef idx="minor">
+            <a:schemeClr val="dk1"/>
+          </a:fontRef>
+        </p:style>
+        <p:txBody>
+          <a:bodyPr rtlCol="0" anchor="ctr"/>
+          <a:lstStyle/>
+          <a:p>
+            <a:pPr algn="ctr"/>
+            <a:r>
+              <a:rPr lang="en-AU" dirty="0" smtClean="0"/>
+              <a:t>Retirement</a:t>
+            </a:r>
+            <a:endParaRPr lang="en-AU" dirty="0"/>
+          </a:p>
+        </p:txBody>
+      </p:sp>
+      <p:cxnSp>
+        <p:nvCxnSpPr>
+          <p:cNvPr id="16" name="Straight Arrow Connector 15"/>
+          <p:cNvCxnSpPr>
+            <a:stCxn id="4" idx="2"/>
+            <a:endCxn id="5" idx="0"/>
+          </p:cNvCxnSpPr>
+          <p:nvPr/>
+        </p:nvCxnSpPr>
+        <p:spPr>
+          <a:xfrm>
+            <a:off x="4175956" y="1340768"/>
+            <a:ext cx="0" cy="504056"/>
+          </a:xfrm>
+          <a:prstGeom prst="straightConnector1">
+            <a:avLst/>
+          </a:prstGeom>
+          <a:ln w="38100">
+            <a:solidFill>
+              <a:srgbClr val="FFC000"/>
+            </a:solidFill>
+            <a:tailEnd type="arrow"/>
+          </a:ln>
+        </p:spPr>
+        <p:style>
+          <a:lnRef idx="1">
+            <a:schemeClr val="accent1"/>
+          </a:lnRef>
+          <a:fillRef idx="0">
+            <a:schemeClr val="accent1"/>
+          </a:fillRef>
+          <a:effectRef idx="0">
+            <a:schemeClr val="accent1"/>
+          </a:effectRef>
+          <a:fontRef idx="minor">
+            <a:schemeClr val="tx1"/>
+          </a:fontRef>
+        </p:style>
+      </p:cxnSp>
+      <p:cxnSp>
+        <p:nvCxnSpPr>
+          <p:cNvPr id="18" name="Elbow Connector 17"/>
+          <p:cNvCxnSpPr>
+            <a:stCxn id="5" idx="3"/>
+            <a:endCxn id="6" idx="0"/>
+          </p:cNvCxnSpPr>
+          <p:nvPr/>
+        </p:nvCxnSpPr>
+        <p:spPr>
+          <a:xfrm>
+            <a:off x="5148064" y="2240868"/>
+            <a:ext cx="828092" cy="612068"/>
+          </a:xfrm>
+          <a:prstGeom prst="bentConnector2">
+            <a:avLst/>
+          </a:prstGeom>
+          <a:ln w="38100">
+            <a:solidFill>
+              <a:srgbClr val="FFC000"/>
+            </a:solidFill>
+            <a:tailEnd type="arrow"/>
+          </a:ln>
+        </p:spPr>
+        <p:style>
+          <a:lnRef idx="1">
+            <a:schemeClr val="accent1"/>
+          </a:lnRef>
+          <a:fillRef idx="0">
+            <a:schemeClr val="accent1"/>
+          </a:fillRef>
+          <a:effectRef idx="0">
+            <a:schemeClr val="accent1"/>
+          </a:effectRef>
+          <a:fontRef idx="minor">
+            <a:schemeClr val="tx1"/>
+          </a:fontRef>
+        </p:style>
+      </p:cxnSp>
+      <p:cxnSp>
+        <p:nvCxnSpPr>
+          <p:cNvPr id="20" name="Elbow Connector 19"/>
+          <p:cNvCxnSpPr>
+            <a:stCxn id="6" idx="3"/>
+            <a:endCxn id="7" idx="1"/>
+          </p:cNvCxnSpPr>
+          <p:nvPr/>
+        </p:nvCxnSpPr>
+        <p:spPr>
+          <a:xfrm>
+            <a:off x="6804248" y="3176972"/>
+            <a:ext cx="360040" cy="1"/>
+          </a:xfrm>
+          <a:prstGeom prst="bentConnector3">
+            <a:avLst/>
+          </a:prstGeom>
+          <a:ln w="38100">
+            <a:solidFill>
+              <a:srgbClr val="FFC000"/>
+            </a:solidFill>
+            <a:tailEnd type="arrow"/>
+          </a:ln>
+        </p:spPr>
+        <p:style>
+          <a:lnRef idx="1">
+            <a:schemeClr val="accent1"/>
+          </a:lnRef>
+          <a:fillRef idx="0">
+            <a:schemeClr val="accent1"/>
+          </a:fillRef>
+          <a:effectRef idx="0">
+            <a:schemeClr val="accent1"/>
+          </a:effectRef>
+          <a:fontRef idx="minor">
+            <a:schemeClr val="tx1"/>
+          </a:fontRef>
+        </p:style>
+      </p:cxnSp>
+      <p:cxnSp>
+        <p:nvCxnSpPr>
+          <p:cNvPr id="24" name="Elbow Connector 23"/>
+          <p:cNvCxnSpPr>
+            <a:stCxn id="8" idx="1"/>
+            <a:endCxn id="9" idx="3"/>
+          </p:cNvCxnSpPr>
+          <p:nvPr/>
+        </p:nvCxnSpPr>
+        <p:spPr>
+          <a:xfrm rot="10800000">
+            <a:off x="6804248" y="4176701"/>
+            <a:ext cx="360040" cy="1"/>
+          </a:xfrm>
+          <a:prstGeom prst="bentConnector3">
+            <a:avLst/>
+          </a:prstGeom>
+          <a:ln w="38100">
+            <a:solidFill>
+              <a:srgbClr val="FFC000"/>
+            </a:solidFill>
+            <a:tailEnd type="arrow"/>
+          </a:ln>
+        </p:spPr>
+        <p:style>
+          <a:lnRef idx="1">
+            <a:schemeClr val="accent1"/>
+          </a:lnRef>
+          <a:fillRef idx="0">
+            <a:schemeClr val="accent1"/>
+          </a:fillRef>
+          <a:effectRef idx="0">
+            <a:schemeClr val="accent1"/>
+          </a:effectRef>
+          <a:fontRef idx="minor">
+            <a:schemeClr val="tx1"/>
+          </a:fontRef>
+        </p:style>
+      </p:cxnSp>
+      <p:cxnSp>
+        <p:nvCxnSpPr>
+          <p:cNvPr id="28" name="Elbow Connector 27"/>
+          <p:cNvCxnSpPr>
+            <a:stCxn id="9" idx="2"/>
+            <a:endCxn id="10" idx="3"/>
+          </p:cNvCxnSpPr>
+          <p:nvPr/>
+        </p:nvCxnSpPr>
+        <p:spPr>
+          <a:xfrm rot="5400000">
+            <a:off x="5251884" y="4252900"/>
+            <a:ext cx="476436" cy="972108"/>
+          </a:xfrm>
+          <a:prstGeom prst="bentConnector2">
+            <a:avLst/>
+          </a:prstGeom>
+          <a:ln w="38100">
+            <a:solidFill>
+              <a:srgbClr val="FFC000"/>
+            </a:solidFill>
+            <a:tailEnd type="arrow"/>
+          </a:ln>
+        </p:spPr>
+        <p:style>
+          <a:lnRef idx="1">
+            <a:schemeClr val="accent1"/>
+          </a:lnRef>
+          <a:fillRef idx="0">
+            <a:schemeClr val="accent1"/>
+          </a:fillRef>
+          <a:effectRef idx="0">
+            <a:schemeClr val="accent1"/>
+          </a:effectRef>
+          <a:fontRef idx="minor">
+            <a:schemeClr val="tx1"/>
+          </a:fontRef>
+        </p:style>
+      </p:cxnSp>
+      <p:cxnSp>
+        <p:nvCxnSpPr>
+          <p:cNvPr id="30" name="Elbow Connector 29"/>
+          <p:cNvCxnSpPr>
+            <a:stCxn id="10" idx="1"/>
+            <a:endCxn id="11" idx="2"/>
+          </p:cNvCxnSpPr>
+          <p:nvPr/>
+        </p:nvCxnSpPr>
+        <p:spPr>
+          <a:xfrm rot="10800000">
+            <a:off x="2124612" y="4486582"/>
+            <a:ext cx="1223252" cy="490590"/>
+          </a:xfrm>
+          <a:prstGeom prst="bentConnector2">
+            <a:avLst/>
+          </a:prstGeom>
+          <a:ln w="38100">
+            <a:solidFill>
+              <a:srgbClr val="FFC000"/>
+            </a:solidFill>
+            <a:tailEnd type="arrow"/>
+          </a:ln>
+        </p:spPr>
+        <p:style>
+          <a:lnRef idx="1">
+            <a:schemeClr val="accent1"/>
+          </a:lnRef>
+          <a:fillRef idx="0">
+            <a:schemeClr val="accent1"/>
+          </a:fillRef>
+          <a:effectRef idx="0">
+            <a:schemeClr val="accent1"/>
+          </a:effectRef>
+          <a:fontRef idx="minor">
+            <a:schemeClr val="tx1"/>
+          </a:fontRef>
+        </p:style>
+      </p:cxnSp>
+      <p:cxnSp>
+        <p:nvCxnSpPr>
+          <p:cNvPr id="32" name="Elbow Connector 31"/>
+          <p:cNvCxnSpPr>
+            <a:endCxn id="12" idx="2"/>
+          </p:cNvCxnSpPr>
+          <p:nvPr/>
+        </p:nvCxnSpPr>
+        <p:spPr>
+          <a:xfrm rot="16200000" flipV="1">
+            <a:off x="1690016" y="3932364"/>
+            <a:ext cx="886638" cy="17445"/>
+          </a:xfrm>
+          <a:prstGeom prst="bentConnector3">
+            <a:avLst>
+              <a:gd name="adj1" fmla="val 50000"/>
+            </a:avLst>
+          </a:prstGeom>
+          <a:ln w="38100">
+            <a:solidFill>
+              <a:srgbClr val="FFC000"/>
+            </a:solidFill>
+            <a:tailEnd type="arrow"/>
+          </a:ln>
+        </p:spPr>
+        <p:style>
+          <a:lnRef idx="1">
+            <a:schemeClr val="accent1"/>
+          </a:lnRef>
+          <a:fillRef idx="0">
+            <a:schemeClr val="accent1"/>
+          </a:fillRef>
+          <a:effectRef idx="0">
+            <a:schemeClr val="accent1"/>
+          </a:effectRef>
+          <a:fontRef idx="minor">
+            <a:schemeClr val="tx1"/>
+          </a:fontRef>
+        </p:style>
+      </p:cxnSp>
+      <p:cxnSp>
+        <p:nvCxnSpPr>
+          <p:cNvPr id="34" name="Elbow Connector 33"/>
+          <p:cNvCxnSpPr/>
+          <p:nvPr/>
+        </p:nvCxnSpPr>
+        <p:spPr>
+          <a:xfrm rot="5400000" flipH="1" flipV="1">
+            <a:off x="1265154" y="2222867"/>
+            <a:ext cx="1764198" cy="1"/>
+          </a:xfrm>
+          <a:prstGeom prst="bentConnector3">
+            <a:avLst/>
+          </a:prstGeom>
+          <a:ln w="38100">
+            <a:solidFill>
+              <a:srgbClr val="FFC000"/>
+            </a:solidFill>
+            <a:tailEnd type="arrow"/>
+          </a:ln>
+        </p:spPr>
+        <p:style>
+          <a:lnRef idx="1">
+            <a:schemeClr val="accent1"/>
+          </a:lnRef>
+          <a:fillRef idx="0">
+            <a:schemeClr val="accent1"/>
+          </a:fillRef>
+          <a:effectRef idx="0">
+            <a:schemeClr val="accent1"/>
+          </a:effectRef>
+          <a:fontRef idx="minor">
+            <a:schemeClr val="tx1"/>
+          </a:fontRef>
+        </p:style>
+      </p:cxnSp>
+      <p:cxnSp>
+        <p:nvCxnSpPr>
+          <p:cNvPr id="36" name="Elbow Connector 35"/>
+          <p:cNvCxnSpPr>
+            <a:endCxn id="5" idx="1"/>
+          </p:cNvCxnSpPr>
+          <p:nvPr/>
+        </p:nvCxnSpPr>
+        <p:spPr>
+          <a:xfrm rot="5400000" flipH="1" flipV="1">
+            <a:off x="2549044" y="2247602"/>
+            <a:ext cx="661538" cy="648070"/>
+          </a:xfrm>
+          <a:prstGeom prst="bentConnector2">
+            <a:avLst/>
+          </a:prstGeom>
+          <a:ln w="38100">
+            <a:solidFill>
+              <a:srgbClr val="FFC000"/>
+            </a:solidFill>
+            <a:tailEnd type="arrow"/>
+          </a:ln>
+        </p:spPr>
+        <p:style>
+          <a:lnRef idx="1">
+            <a:schemeClr val="accent1"/>
+          </a:lnRef>
+          <a:fillRef idx="0">
+            <a:schemeClr val="accent1"/>
+          </a:fillRef>
+          <a:effectRef idx="0">
+            <a:schemeClr val="accent1"/>
+          </a:effectRef>
+          <a:fontRef idx="minor">
+            <a:schemeClr val="tx1"/>
+          </a:fontRef>
+        </p:style>
+      </p:cxnSp>
+      <p:sp>
+        <p:nvSpPr>
+          <p:cNvPr id="12" name="Rounded Rectangle 11"/>
+          <p:cNvSpPr/>
+          <p:nvPr/>
+        </p:nvSpPr>
+        <p:spPr>
+          <a:xfrm>
+            <a:off x="1279075" y="2849696"/>
+            <a:ext cx="1691074" cy="648072"/>
+          </a:xfrm>
+          <a:prstGeom prst="roundRect">
+            <a:avLst/>
+          </a:prstGeom>
+        </p:spPr>
+        <p:style>
+          <a:lnRef idx="1">
+            <a:schemeClr val="dk1"/>
+          </a:lnRef>
+          <a:fillRef idx="2">
+            <a:schemeClr val="dk1"/>
+          </a:fillRef>
+          <a:effectRef idx="1">
+            <a:schemeClr val="dk1"/>
+          </a:effectRef>
+          <a:fontRef idx="minor">
+            <a:schemeClr val="dk1"/>
+          </a:fontRef>
+        </p:style>
+        <p:txBody>
+          <a:bodyPr rtlCol="0" anchor="ctr"/>
+          <a:lstStyle/>
+          <a:p>
+            <a:pPr algn="ctr"/>
+            <a:r>
+              <a:rPr lang="en-AU" dirty="0" smtClean="0"/>
+              <a:t>Optimisation</a:t>
+            </a:r>
+            <a:endParaRPr lang="en-AU" dirty="0"/>
+          </a:p>
+        </p:txBody>
+      </p:sp>
+      <p:sp>
+        <p:nvSpPr>
+          <p:cNvPr id="11" name="Rounded Rectangle 10"/>
+          <p:cNvSpPr/>
+          <p:nvPr/>
+        </p:nvSpPr>
+        <p:spPr>
+          <a:xfrm>
+            <a:off x="1279075" y="3838510"/>
+            <a:ext cx="1691074" cy="648072"/>
+          </a:xfrm>
+          <a:prstGeom prst="roundRect">
+            <a:avLst/>
+          </a:prstGeom>
+        </p:spPr>
+        <p:style>
+          <a:lnRef idx="1">
+            <a:schemeClr val="dk1"/>
+          </a:lnRef>
+          <a:fillRef idx="2">
+            <a:schemeClr val="dk1"/>
+          </a:fillRef>
+          <a:effectRef idx="1">
+            <a:schemeClr val="dk1"/>
+          </a:effectRef>
+          <a:fontRef idx="minor">
+            <a:schemeClr val="dk1"/>
+          </a:fontRef>
+        </p:style>
+        <p:txBody>
+          <a:bodyPr rtlCol="0" anchor="ctr"/>
+          <a:lstStyle/>
+          <a:p>
+            <a:pPr algn="ctr"/>
+            <a:r>
+              <a:rPr lang="en-AU" dirty="0" smtClean="0"/>
+              <a:t>Operation</a:t>
+            </a:r>
+            <a:endParaRPr lang="en-AU" dirty="0"/>
+          </a:p>
+        </p:txBody>
+      </p:sp>
+      <p:cxnSp>
+        <p:nvCxnSpPr>
+          <p:cNvPr id="70" name="Elbow Connector 69"/>
+          <p:cNvCxnSpPr/>
+          <p:nvPr/>
+        </p:nvCxnSpPr>
+        <p:spPr>
+          <a:xfrm rot="16200000" flipH="1">
+            <a:off x="5688126" y="3550478"/>
+            <a:ext cx="576062" cy="2"/>
+          </a:xfrm>
+          <a:prstGeom prst="bentConnector3">
+            <a:avLst>
+              <a:gd name="adj1" fmla="val 50000"/>
+            </a:avLst>
+          </a:prstGeom>
+          <a:ln w="38100">
+            <a:solidFill>
+              <a:srgbClr val="FFC000"/>
+            </a:solidFill>
+            <a:tailEnd type="arrow"/>
+          </a:ln>
+        </p:spPr>
+        <p:style>
+          <a:lnRef idx="1">
+            <a:schemeClr val="accent1"/>
+          </a:lnRef>
+          <a:fillRef idx="0">
+            <a:schemeClr val="accent1"/>
+          </a:fillRef>
+          <a:effectRef idx="0">
+            <a:schemeClr val="accent1"/>
+          </a:effectRef>
+          <a:fontRef idx="minor">
+            <a:schemeClr val="tx1"/>
+          </a:fontRef>
+        </p:style>
+      </p:cxnSp>
+      <p:sp>
+        <p:nvSpPr>
+          <p:cNvPr id="6" name="Rounded Rectangle 5"/>
+          <p:cNvSpPr/>
+          <p:nvPr/>
+        </p:nvSpPr>
+        <p:spPr>
+          <a:xfrm>
+            <a:off x="5148064" y="2852936"/>
+            <a:ext cx="1656184" cy="648072"/>
+          </a:xfrm>
+          <a:prstGeom prst="roundRect">
+            <a:avLst/>
+          </a:prstGeom>
+        </p:spPr>
+        <p:style>
+          <a:lnRef idx="1">
+            <a:schemeClr val="dk1"/>
+          </a:lnRef>
+          <a:fillRef idx="2">
+            <a:schemeClr val="dk1"/>
+          </a:fillRef>
+          <a:effectRef idx="1">
+            <a:schemeClr val="dk1"/>
+          </a:effectRef>
+          <a:fontRef idx="minor">
+            <a:schemeClr val="dk1"/>
+          </a:fontRef>
+        </p:style>
+        <p:txBody>
+          <a:bodyPr rtlCol="0" anchor="ctr"/>
+          <a:lstStyle/>
+          <a:p>
+            <a:pPr algn="ctr"/>
+            <a:r>
+              <a:rPr lang="en-AU" dirty="0" smtClean="0"/>
+              <a:t>Design</a:t>
+            </a:r>
+            <a:endParaRPr lang="en-AU" dirty="0"/>
+          </a:p>
+        </p:txBody>
+      </p:sp>
+      <p:cxnSp>
+        <p:nvCxnSpPr>
+          <p:cNvPr id="87" name="Elbow Connector 86"/>
+          <p:cNvCxnSpPr/>
+          <p:nvPr/>
+        </p:nvCxnSpPr>
+        <p:spPr>
+          <a:xfrm rot="16200000" flipH="1">
+            <a:off x="7596338" y="3573015"/>
+            <a:ext cx="576062" cy="2"/>
+          </a:xfrm>
+          <a:prstGeom prst="bentConnector3">
+            <a:avLst>
+              <a:gd name="adj1" fmla="val 50000"/>
+            </a:avLst>
+          </a:prstGeom>
+          <a:ln w="38100">
+            <a:solidFill>
+              <a:srgbClr val="FFC000"/>
+            </a:solidFill>
+            <a:tailEnd type="arrow"/>
+          </a:ln>
+        </p:spPr>
+        <p:style>
+          <a:lnRef idx="1">
+            <a:schemeClr val="accent1"/>
+          </a:lnRef>
+          <a:fillRef idx="0">
+            <a:schemeClr val="accent1"/>
+          </a:fillRef>
+          <a:effectRef idx="0">
+            <a:schemeClr val="accent1"/>
+          </a:effectRef>
+          <a:fontRef idx="minor">
+            <a:schemeClr val="tx1"/>
+          </a:fontRef>
+        </p:style>
+      </p:cxnSp>
+      <p:sp>
+        <p:nvSpPr>
+          <p:cNvPr id="7" name="Rounded Rectangle 6"/>
+          <p:cNvSpPr/>
+          <p:nvPr/>
+        </p:nvSpPr>
+        <p:spPr>
+          <a:xfrm>
+            <a:off x="7164288" y="2849696"/>
+            <a:ext cx="1656184" cy="654553"/>
+          </a:xfrm>
+          <a:prstGeom prst="roundRect">
+            <a:avLst/>
+          </a:prstGeom>
+        </p:spPr>
+        <p:style>
+          <a:lnRef idx="1">
+            <a:schemeClr val="dk1"/>
+          </a:lnRef>
+          <a:fillRef idx="2">
+            <a:schemeClr val="dk1"/>
+          </a:fillRef>
+          <a:effectRef idx="1">
+            <a:schemeClr val="dk1"/>
+          </a:effectRef>
+          <a:fontRef idx="minor">
+            <a:schemeClr val="dk1"/>
+          </a:fontRef>
+        </p:style>
+        <p:txBody>
+          <a:bodyPr rtlCol="0" anchor="ctr"/>
+          <a:lstStyle/>
+          <a:p>
+            <a:pPr algn="ctr"/>
+            <a:r>
+              <a:rPr lang="en-AU" dirty="0" smtClean="0"/>
+              <a:t>Evaluation</a:t>
+            </a:r>
+            <a:endParaRPr lang="en-AU" dirty="0"/>
+          </a:p>
+        </p:txBody>
+      </p:sp>
+      <p:sp>
+        <p:nvSpPr>
+          <p:cNvPr id="2" name="TextBox 1"/>
+          <p:cNvSpPr txBox="1"/>
+          <p:nvPr/>
+        </p:nvSpPr>
+        <p:spPr>
+          <a:xfrm>
+            <a:off x="0" y="46591"/>
+            <a:ext cx="1375185" cy="369332"/>
+          </a:xfrm>
+          <a:prstGeom prst="rect">
+            <a:avLst/>
+          </a:prstGeom>
+          <a:noFill/>
+        </p:spPr>
+        <p:txBody>
+          <a:bodyPr wrap="none" rtlCol="0">
+            <a:spAutoFit/>
+          </a:bodyPr>
+          <a:lstStyle/>
+          <a:p>
+            <a:r>
+              <a:rPr lang="en-AU" dirty="0" smtClean="0"/>
+              <a:t>ALM Process</a:t>
+            </a:r>
+            <a:endParaRPr lang="en-AU" dirty="0"/>
+          </a:p>
+        </p:txBody>
+      </p:sp>
+    </p:spTree>
+    <p:extLst>
+      <p:ext uri="{BB962C8B-B14F-4D97-AF65-F5344CB8AC3E}">
+        <p14:creationId xmlns:p14="http://schemas.microsoft.com/office/powerpoint/2010/main" val="3384210220"/>
+      </p:ext>
+    </p:extLst>
+  </p:cSld>
+  <p:clrMapOvr>
+    <a:masterClrMapping/>
+  </p:clrMapOvr>
+</p:sld>
+</file>
+
+<file path=ppt/slides/slide5.xml><?xml version="1.0" encoding="utf-8"?>
+<p:sld xmlns:a="http://schemas.openxmlformats.org/drawingml/2006/main" xmlns:r="http://schemas.openxmlformats.org/officeDocument/2006/relationships" xmlns:p="http://schemas.openxmlformats.org/presentationml/2006/main">
+  <p:cSld>
+    <p:bg>
+      <p:bgPr>
+        <a:solidFill>
+          <a:schemeClr val="tx1">
+            <a:lumMod val="50000"/>
+            <a:lumOff val="50000"/>
+          </a:schemeClr>
+        </a:solidFill>
+        <a:effectLst/>
+      </p:bgPr>
+    </p:bg>
+    <p:spTree>
+      <p:nvGrpSpPr>
+        <p:cNvPr id="1" name=""/>
+        <p:cNvGrpSpPr/>
+        <p:nvPr/>
+      </p:nvGrpSpPr>
+      <p:grpSpPr>
+        <a:xfrm>
+          <a:off x="0" y="0"/>
+          <a:ext cx="0" cy="0"/>
+          <a:chOff x="0" y="0"/>
+          <a:chExt cx="0" cy="0"/>
+        </a:xfrm>
+      </p:grpSpPr>
+      <p:sp>
+        <p:nvSpPr>
+          <p:cNvPr id="2" name="TextBox 1"/>
+          <p:cNvSpPr txBox="1"/>
+          <p:nvPr/>
+        </p:nvSpPr>
+        <p:spPr>
+          <a:xfrm>
+            <a:off x="0" y="46591"/>
+            <a:ext cx="1950534" cy="369332"/>
+          </a:xfrm>
+          <a:prstGeom prst="rect">
+            <a:avLst/>
+          </a:prstGeom>
+          <a:noFill/>
+        </p:spPr>
+        <p:txBody>
+          <a:bodyPr wrap="none" rtlCol="0">
+            <a:spAutoFit/>
+          </a:bodyPr>
+          <a:lstStyle/>
+          <a:p>
+            <a:r>
+              <a:rPr lang="en-AU" dirty="0" smtClean="0"/>
+              <a:t>BABOK Framework</a:t>
+            </a:r>
+            <a:endParaRPr lang="en-AU" dirty="0"/>
+          </a:p>
+        </p:txBody>
+      </p:sp>
+      <p:sp>
+        <p:nvSpPr>
+          <p:cNvPr id="3" name="Rounded Rectangle 2"/>
+          <p:cNvSpPr/>
+          <p:nvPr/>
+        </p:nvSpPr>
+        <p:spPr>
+          <a:xfrm>
+            <a:off x="1279075" y="1772816"/>
+            <a:ext cx="1691074" cy="648072"/>
+          </a:xfrm>
+          <a:prstGeom prst="roundRect">
+            <a:avLst/>
+          </a:prstGeom>
+        </p:spPr>
+        <p:style>
+          <a:lnRef idx="1">
+            <a:schemeClr val="dk1"/>
+          </a:lnRef>
+          <a:fillRef idx="2">
+            <a:schemeClr val="dk1"/>
+          </a:fillRef>
+          <a:effectRef idx="1">
+            <a:schemeClr val="dk1"/>
+          </a:effectRef>
+          <a:fontRef idx="minor">
+            <a:schemeClr val="dk1"/>
+          </a:fontRef>
+        </p:style>
+        <p:txBody>
+          <a:bodyPr rtlCol="0" anchor="ctr"/>
+          <a:lstStyle/>
+          <a:p>
+            <a:pPr algn="ctr"/>
+            <a:r>
+              <a:rPr lang="en-AU" dirty="0" smtClean="0"/>
+              <a:t>Requirement Gathering</a:t>
+            </a:r>
+            <a:endParaRPr lang="en-AU" dirty="0"/>
+          </a:p>
+        </p:txBody>
+      </p:sp>
+      <p:sp>
+        <p:nvSpPr>
+          <p:cNvPr id="4" name="Rounded Rectangle 3"/>
+          <p:cNvSpPr/>
+          <p:nvPr/>
+        </p:nvSpPr>
+        <p:spPr>
+          <a:xfrm>
+            <a:off x="3707904" y="764704"/>
+            <a:ext cx="1691074" cy="648072"/>
+          </a:xfrm>
+          <a:prstGeom prst="roundRect">
+            <a:avLst/>
+          </a:prstGeom>
+        </p:spPr>
+        <p:style>
+          <a:lnRef idx="1">
+            <a:schemeClr val="dk1"/>
+          </a:lnRef>
+          <a:fillRef idx="2">
+            <a:schemeClr val="dk1"/>
+          </a:fillRef>
+          <a:effectRef idx="1">
+            <a:schemeClr val="dk1"/>
+          </a:effectRef>
+          <a:fontRef idx="minor">
+            <a:schemeClr val="dk1"/>
+          </a:fontRef>
+        </p:style>
+        <p:txBody>
+          <a:bodyPr rtlCol="0" anchor="ctr"/>
+          <a:lstStyle/>
+          <a:p>
+            <a:pPr algn="ctr"/>
+            <a:r>
+              <a:rPr lang="en-AU" dirty="0" smtClean="0"/>
+              <a:t>Workshops</a:t>
+            </a:r>
+            <a:endParaRPr lang="en-AU" dirty="0"/>
+          </a:p>
+        </p:txBody>
+      </p:sp>
+    </p:spTree>
+    <p:extLst>
+      <p:ext uri="{BB962C8B-B14F-4D97-AF65-F5344CB8AC3E}">
+        <p14:creationId xmlns:p14="http://schemas.microsoft.com/office/powerpoint/2010/main" val="2735602334"/>
+      </p:ext>
+    </p:extLst>
+  </p:cSld>
+  <p:clrMapOvr>
+    <a:masterClrMapping/>
+  </p:clrMapOvr>
+</p:sld>
+</file>
+
+<file path=ppt/slides/slide6.xml><?xml version="1.0" encoding="utf-8"?>
+<p:sld xmlns:a="http://schemas.openxmlformats.org/drawingml/2006/main" xmlns:r="http://schemas.openxmlformats.org/officeDocument/2006/relationships" xmlns:p="http://schemas.openxmlformats.org/presentationml/2006/main">
+  <p:cSld>
+    <p:bg>
+      <p:bgPr>
+        <a:solidFill>
+          <a:schemeClr val="tx1">
+            <a:lumMod val="50000"/>
+            <a:lumOff val="50000"/>
+          </a:schemeClr>
+        </a:solidFill>
+        <a:effectLst/>
+      </p:bgPr>
+    </p:bg>
+    <p:spTree>
+      <p:nvGrpSpPr>
+        <p:cNvPr id="1" name=""/>
+        <p:cNvGrpSpPr/>
+        <p:nvPr/>
+      </p:nvGrpSpPr>
+      <p:grpSpPr>
+        <a:xfrm>
+          <a:off x="0" y="0"/>
+          <a:ext cx="0" cy="0"/>
+          <a:chOff x="0" y="0"/>
+          <a:chExt cx="0" cy="0"/>
+        </a:xfrm>
+      </p:grpSpPr>
+      <p:sp>
+        <p:nvSpPr>
+          <p:cNvPr id="2" name="TextBox 1"/>
+          <p:cNvSpPr txBox="1"/>
+          <p:nvPr/>
+        </p:nvSpPr>
+        <p:spPr>
+          <a:xfrm>
+            <a:off x="0" y="46591"/>
+            <a:ext cx="939681" cy="369332"/>
+          </a:xfrm>
+          <a:prstGeom prst="rect">
+            <a:avLst/>
+          </a:prstGeom>
+          <a:noFill/>
+        </p:spPr>
+        <p:txBody>
+          <a:bodyPr wrap="none" rtlCol="0">
+            <a:spAutoFit/>
+          </a:bodyPr>
+          <a:lstStyle/>
+          <a:p>
+            <a:r>
+              <a:rPr lang="en-AU" dirty="0" smtClean="0"/>
+              <a:t>Prince II</a:t>
+            </a:r>
+            <a:endParaRPr lang="en-AU" dirty="0"/>
+          </a:p>
+        </p:txBody>
+      </p:sp>
+      <p:sp>
+        <p:nvSpPr>
+          <p:cNvPr id="3" name="Rounded Rectangle 2"/>
+          <p:cNvSpPr/>
+          <p:nvPr/>
+        </p:nvSpPr>
+        <p:spPr>
+          <a:xfrm>
+            <a:off x="1279075" y="1772816"/>
+            <a:ext cx="1691074" cy="648072"/>
+          </a:xfrm>
+          <a:prstGeom prst="roundRect">
+            <a:avLst/>
+          </a:prstGeom>
+        </p:spPr>
+        <p:style>
+          <a:lnRef idx="1">
+            <a:schemeClr val="dk1"/>
+          </a:lnRef>
+          <a:fillRef idx="2">
+            <a:schemeClr val="dk1"/>
+          </a:fillRef>
+          <a:effectRef idx="1">
+            <a:schemeClr val="dk1"/>
+          </a:effectRef>
+          <a:fontRef idx="minor">
+            <a:schemeClr val="dk1"/>
+          </a:fontRef>
+        </p:style>
+        <p:txBody>
+          <a:bodyPr rtlCol="0" anchor="ctr"/>
+          <a:lstStyle/>
+          <a:p>
+            <a:pPr algn="ctr"/>
+            <a:r>
+              <a:rPr lang="en-AU" dirty="0" smtClean="0"/>
+              <a:t>Requirement Gathering</a:t>
+            </a:r>
+            <a:endParaRPr lang="en-AU" dirty="0"/>
+          </a:p>
+        </p:txBody>
+      </p:sp>
+      <p:sp>
+        <p:nvSpPr>
+          <p:cNvPr id="4" name="Rounded Rectangle 3"/>
+          <p:cNvSpPr/>
+          <p:nvPr/>
+        </p:nvSpPr>
+        <p:spPr>
+          <a:xfrm>
+            <a:off x="3707904" y="764704"/>
+            <a:ext cx="1691074" cy="648072"/>
+          </a:xfrm>
+          <a:prstGeom prst="roundRect">
+            <a:avLst/>
+          </a:prstGeom>
+        </p:spPr>
+        <p:style>
+          <a:lnRef idx="1">
+            <a:schemeClr val="dk1"/>
+          </a:lnRef>
+          <a:fillRef idx="2">
+            <a:schemeClr val="dk1"/>
+          </a:fillRef>
+          <a:effectRef idx="1">
+            <a:schemeClr val="dk1"/>
+          </a:effectRef>
+          <a:fontRef idx="minor">
+            <a:schemeClr val="dk1"/>
+          </a:fontRef>
+        </p:style>
+        <p:txBody>
+          <a:bodyPr rtlCol="0" anchor="ctr"/>
+          <a:lstStyle/>
+          <a:p>
+            <a:pPr algn="ctr"/>
+            <a:r>
+              <a:rPr lang="en-AU" dirty="0" smtClean="0"/>
+              <a:t>Workshops</a:t>
+            </a:r>
+            <a:endParaRPr lang="en-AU" dirty="0"/>
+          </a:p>
+        </p:txBody>
+      </p:sp>
+    </p:spTree>
+    <p:extLst>
+      <p:ext uri="{BB962C8B-B14F-4D97-AF65-F5344CB8AC3E}">
+        <p14:creationId xmlns:p14="http://schemas.microsoft.com/office/powerpoint/2010/main" val="1269840368"/>
+      </p:ext>
+    </p:extLst>
+  </p:cSld>
+  <p:clrMapOvr>
+    <a:masterClrMapping/>
+  </p:clrMapOvr>
+</p:sld>
+</file>
+
+<file path=ppt/slides/slide7.xml><?xml version="1.0" encoding="utf-8"?>
+<p:sld xmlns:a="http://schemas.openxmlformats.org/drawingml/2006/main" xmlns:r="http://schemas.openxmlformats.org/officeDocument/2006/relationships" xmlns:p="http://schemas.openxmlformats.org/presentationml/2006/main">
+  <p:cSld>
+    <p:bg>
+      <p:bgPr>
+        <a:solidFill>
+          <a:schemeClr val="tx1">
+            <a:lumMod val="50000"/>
+            <a:lumOff val="50000"/>
+          </a:schemeClr>
+        </a:solidFill>
+        <a:effectLst/>
+      </p:bgPr>
+    </p:bg>
+    <p:spTree>
+      <p:nvGrpSpPr>
+        <p:cNvPr id="1" name=""/>
+        <p:cNvGrpSpPr/>
+        <p:nvPr/>
+      </p:nvGrpSpPr>
+      <p:grpSpPr>
+        <a:xfrm>
+          <a:off x="0" y="0"/>
+          <a:ext cx="0" cy="0"/>
+          <a:chOff x="0" y="0"/>
+          <a:chExt cx="0" cy="0"/>
+        </a:xfrm>
+      </p:grpSpPr>
+      <p:sp>
+        <p:nvSpPr>
+          <p:cNvPr id="2" name="TextBox 1"/>
+          <p:cNvSpPr txBox="1"/>
+          <p:nvPr/>
+        </p:nvSpPr>
+        <p:spPr>
+          <a:xfrm>
+            <a:off x="0" y="46591"/>
+            <a:ext cx="827342" cy="369332"/>
+          </a:xfrm>
+          <a:prstGeom prst="rect">
+            <a:avLst/>
+          </a:prstGeom>
+          <a:noFill/>
+        </p:spPr>
+        <p:txBody>
+          <a:bodyPr wrap="none" rtlCol="0">
+            <a:spAutoFit/>
+          </a:bodyPr>
+          <a:lstStyle/>
+          <a:p>
+            <a:r>
+              <a:rPr lang="en-AU" dirty="0" smtClean="0"/>
+              <a:t>TOGAF</a:t>
+            </a:r>
+            <a:endParaRPr lang="en-AU" dirty="0"/>
+          </a:p>
+        </p:txBody>
+      </p:sp>
+    </p:spTree>
+    <p:extLst>
+      <p:ext uri="{BB962C8B-B14F-4D97-AF65-F5344CB8AC3E}">
+        <p14:creationId xmlns:p14="http://schemas.microsoft.com/office/powerpoint/2010/main" val="3603803957"/>
       </p:ext>
     </p:extLst>
   </p:cSld>
